--- a/Documents/nodeMvcPresentation.pptx
+++ b/Documents/nodeMvcPresentation.pptx
@@ -2,10 +2,10 @@
 <file path=ppt/presentation.xml><?xml version="1.0" encoding="utf-8"?>
 <p:presentation xmlns:a="http://schemas.openxmlformats.org/drawingml/2006/main" xmlns:r="http://schemas.openxmlformats.org/officeDocument/2006/relationships" xmlns:p="http://schemas.openxmlformats.org/presentationml/2006/main" saveSubsetFonts="1" autoCompressPictures="0">
   <p:sldMasterIdLst>
-    <p:sldMasterId id="2147483648" r:id="rId1"/>
+    <p:sldMasterId id="2147483863" r:id="rId1"/>
   </p:sldMasterIdLst>
   <p:notesMasterIdLst>
-    <p:notesMasterId r:id="rId14"/>
+    <p:notesMasterId r:id="rId16"/>
   </p:notesMasterIdLst>
   <p:sldIdLst>
     <p:sldId id="256" r:id="rId2"/>
@@ -13,13 +13,15 @@
     <p:sldId id="273" r:id="rId4"/>
     <p:sldId id="258" r:id="rId5"/>
     <p:sldId id="270" r:id="rId6"/>
-    <p:sldId id="265" r:id="rId7"/>
-    <p:sldId id="269" r:id="rId8"/>
-    <p:sldId id="267" r:id="rId9"/>
-    <p:sldId id="268" r:id="rId10"/>
-    <p:sldId id="271" r:id="rId11"/>
+    <p:sldId id="269" r:id="rId7"/>
+    <p:sldId id="267" r:id="rId8"/>
+    <p:sldId id="268" r:id="rId9"/>
+    <p:sldId id="271" r:id="rId10"/>
+    <p:sldId id="276" r:id="rId11"/>
     <p:sldId id="274" r:id="rId12"/>
     <p:sldId id="272" r:id="rId13"/>
+    <p:sldId id="275" r:id="rId14"/>
+    <p:sldId id="265" r:id="rId15"/>
   </p:sldIdLst>
   <p:sldSz cx="9144000" cy="6858000" type="screen4x3"/>
   <p:notesSz cx="6858000" cy="9144000"/>
@@ -203,7 +205,7 @@
           <a:p>
             <a:fld id="{C9276BDF-5B0D-194B-A506-689483748893}" type="datetimeFigureOut">
               <a:rPr lang="en-US" smtClean="0"/>
-              <a:t>5/28/12</a:t>
+              <a:t>5/30/12</a:t>
             </a:fld>
             <a:endParaRPr lang="en-US"/>
           </a:p>
@@ -515,6 +517,50 @@
           <a:bodyPr/>
           <a:lstStyle/>
           <a:p>
+            <a:r>
+              <a:rPr lang="en-US" dirty="0" smtClean="0"/>
+              <a:t>Server – receives/sends HTTP requests/responses between user interface (web browser or command line)</a:t>
+            </a:r>
+          </a:p>
+          <a:p>
+            <a:r>
+              <a:rPr lang="en-US" dirty="0" smtClean="0"/>
+              <a:t>Router – sends request to appropriate controller</a:t>
+            </a:r>
+          </a:p>
+          <a:p>
+            <a:r>
+              <a:rPr lang="en-US" dirty="0" smtClean="0"/>
+              <a:t>Controller</a:t>
+            </a:r>
+          </a:p>
+          <a:p>
+            <a:r>
+              <a:rPr lang="en-US" dirty="0" smtClean="0"/>
+              <a:t>Template - </a:t>
+            </a:r>
+          </a:p>
+          <a:p>
+            <a:r>
+              <a:rPr lang="en-US" dirty="0" smtClean="0"/>
+              <a:t>Model – contains base model that user model implements</a:t>
+            </a:r>
+          </a:p>
+          <a:p>
+            <a:r>
+              <a:rPr lang="en-US" dirty="0" smtClean="0"/>
+              <a:t>Logging – </a:t>
+            </a:r>
+            <a:r>
+              <a:rPr lang="en-US" dirty="0" err="1" smtClean="0"/>
+              <a:t>console.log</a:t>
+            </a:r>
+            <a:r>
+              <a:rPr lang="en-US" dirty="0" smtClean="0"/>
+              <a:t>(…) and Common Log Format</a:t>
+            </a:r>
+          </a:p>
+          <a:p>
             <a:endParaRPr lang="en-US" dirty="0"/>
           </a:p>
         </p:txBody>
@@ -536,7 +582,7 @@
           <a:p>
             <a:fld id="{082C0A6A-DFA6-9541-83C5-A43CC6AFDBF9}" type="slidenum">
               <a:rPr lang="en-US" smtClean="0"/>
-              <a:t>7</a:t>
+              <a:t>5</a:t>
             </a:fld>
             <a:endParaRPr lang="en-US"/>
           </a:p>
@@ -545,7 +591,7 @@
     </p:spTree>
     <p:extLst>
       <p:ext uri="{BB962C8B-B14F-4D97-AF65-F5344CB8AC3E}">
-        <p14:creationId xmlns:p14="http://schemas.microsoft.com/office/powerpoint/2010/main" val="1575908967"/>
+        <p14:creationId xmlns:p14="http://schemas.microsoft.com/office/powerpoint/2010/main" val="1744521145"/>
       </p:ext>
     </p:extLst>
   </p:cSld>
@@ -599,6 +645,87 @@
           <a:bodyPr/>
           <a:lstStyle/>
           <a:p>
+            <a:r>
+              <a:rPr lang="en-US" dirty="0" smtClean="0"/>
+              <a:t>User</a:t>
+            </a:r>
+          </a:p>
+          <a:p>
+            <a:pPr marL="171450" indent="-171450">
+              <a:buFontTx/>
+              <a:buChar char="-"/>
+            </a:pPr>
+            <a:r>
+              <a:rPr lang="en-US" dirty="0" smtClean="0"/>
+              <a:t>Creates</a:t>
+            </a:r>
+            <a:r>
+              <a:rPr lang="en-US" baseline="0" dirty="0" smtClean="0"/>
+              <a:t> model(s) – extend base Model object</a:t>
+            </a:r>
+          </a:p>
+          <a:p>
+            <a:pPr marL="171450" marR="0" indent="-171450" algn="l" defTabSz="457200" rtl="0" eaLnBrk="1" fontAlgn="auto" latinLnBrk="0" hangingPunct="1">
+              <a:lnSpc>
+                <a:spcPct val="100000"/>
+              </a:lnSpc>
+              <a:spcBef>
+                <a:spcPts val="0"/>
+              </a:spcBef>
+              <a:spcAft>
+                <a:spcPts val="0"/>
+              </a:spcAft>
+              <a:buClrTx/>
+              <a:buSzTx/>
+              <a:buFontTx/>
+              <a:buChar char="-"/>
+              <a:tabLst/>
+              <a:defRPr/>
+            </a:pPr>
+            <a:r>
+              <a:rPr lang="en-US" baseline="0" dirty="0" smtClean="0"/>
+              <a:t>Create view(s) </a:t>
+            </a:r>
+          </a:p>
+          <a:p>
+            <a:pPr marL="171450" indent="-171450">
+              <a:buFontTx/>
+              <a:buChar char="-"/>
+            </a:pPr>
+            <a:r>
+              <a:rPr lang="en-US" baseline="0" dirty="0" smtClean="0"/>
+              <a:t>Create controller – extend base Controller object; specify actions, specify model</a:t>
+            </a:r>
+          </a:p>
+          <a:p>
+            <a:pPr marL="0" indent="0">
+              <a:buFontTx/>
+              <a:buNone/>
+            </a:pPr>
+            <a:r>
+              <a:rPr lang="en-US" baseline="0" dirty="0" smtClean="0"/>
+              <a:t>-   Update table that maps URL to controller action</a:t>
+            </a:r>
+          </a:p>
+          <a:p>
+            <a:pPr marL="171450" indent="-171450">
+              <a:buFontTx/>
+              <a:buChar char="-"/>
+            </a:pPr>
+            <a:endParaRPr lang="en-US" baseline="0" dirty="0" smtClean="0"/>
+          </a:p>
+          <a:p>
+            <a:pPr marL="171450" indent="-171450">
+              <a:buFontTx/>
+              <a:buChar char="-"/>
+            </a:pPr>
+            <a:endParaRPr lang="en-US" baseline="0" dirty="0" smtClean="0"/>
+          </a:p>
+          <a:p>
+            <a:pPr marL="171450" indent="-171450">
+              <a:buFontTx/>
+              <a:buChar char="-"/>
+            </a:pPr>
             <a:endParaRPr lang="en-US" dirty="0"/>
           </a:p>
         </p:txBody>
@@ -620,7 +747,91 @@
           <a:p>
             <a:fld id="{082C0A6A-DFA6-9541-83C5-A43CC6AFDBF9}" type="slidenum">
               <a:rPr lang="en-US" smtClean="0"/>
-              <a:t>8</a:t>
+              <a:t>6</a:t>
+            </a:fld>
+            <a:endParaRPr lang="en-US"/>
+          </a:p>
+        </p:txBody>
+      </p:sp>
+    </p:spTree>
+    <p:extLst>
+      <p:ext uri="{BB962C8B-B14F-4D97-AF65-F5344CB8AC3E}">
+        <p14:creationId xmlns:p14="http://schemas.microsoft.com/office/powerpoint/2010/main" val="1575908967"/>
+      </p:ext>
+    </p:extLst>
+  </p:cSld>
+  <p:clrMapOvr>
+    <a:masterClrMapping/>
+  </p:clrMapOvr>
+</p:notes>
+</file>
+
+<file path=ppt/notesSlides/notesSlide3.xml><?xml version="1.0" encoding="utf-8"?>
+<p:notes xmlns:a="http://schemas.openxmlformats.org/drawingml/2006/main" xmlns:r="http://schemas.openxmlformats.org/officeDocument/2006/relationships" xmlns:p="http://schemas.openxmlformats.org/presentationml/2006/main">
+  <p:cSld>
+    <p:spTree>
+      <p:nvGrpSpPr>
+        <p:cNvPr id="1" name=""/>
+        <p:cNvGrpSpPr/>
+        <p:nvPr/>
+      </p:nvGrpSpPr>
+      <p:grpSpPr>
+        <a:xfrm>
+          <a:off x="0" y="0"/>
+          <a:ext cx="0" cy="0"/>
+          <a:chOff x="0" y="0"/>
+          <a:chExt cx="0" cy="0"/>
+        </a:xfrm>
+      </p:grpSpPr>
+      <p:sp>
+        <p:nvSpPr>
+          <p:cNvPr id="2" name="Slide Image Placeholder 1"/>
+          <p:cNvSpPr>
+            <a:spLocks noGrp="1" noRot="1" noChangeAspect="1"/>
+          </p:cNvSpPr>
+          <p:nvPr>
+            <p:ph type="sldImg"/>
+          </p:nvPr>
+        </p:nvSpPr>
+        <p:spPr/>
+      </p:sp>
+      <p:sp>
+        <p:nvSpPr>
+          <p:cNvPr id="3" name="Notes Placeholder 2"/>
+          <p:cNvSpPr>
+            <a:spLocks noGrp="1"/>
+          </p:cNvSpPr>
+          <p:nvPr>
+            <p:ph type="body" idx="1"/>
+          </p:nvPr>
+        </p:nvSpPr>
+        <p:spPr/>
+        <p:txBody>
+          <a:bodyPr/>
+          <a:lstStyle/>
+          <a:p>
+            <a:endParaRPr lang="en-US" dirty="0"/>
+          </a:p>
+        </p:txBody>
+      </p:sp>
+      <p:sp>
+        <p:nvSpPr>
+          <p:cNvPr id="4" name="Slide Number Placeholder 3"/>
+          <p:cNvSpPr>
+            <a:spLocks noGrp="1"/>
+          </p:cNvSpPr>
+          <p:nvPr>
+            <p:ph type="sldNum" sz="quarter" idx="10"/>
+          </p:nvPr>
+        </p:nvSpPr>
+        <p:spPr/>
+        <p:txBody>
+          <a:bodyPr/>
+          <a:lstStyle/>
+          <a:p>
+            <a:fld id="{082C0A6A-DFA6-9541-83C5-A43CC6AFDBF9}" type="slidenum">
+              <a:rPr lang="en-US" smtClean="0"/>
+              <a:t>7</a:t>
             </a:fld>
             <a:endParaRPr lang="en-US"/>
           </a:p>
@@ -630,6 +841,182 @@
     <p:extLst>
       <p:ext uri="{BB962C8B-B14F-4D97-AF65-F5344CB8AC3E}">
         <p14:creationId xmlns:p14="http://schemas.microsoft.com/office/powerpoint/2010/main" val="1493291127"/>
+      </p:ext>
+    </p:extLst>
+  </p:cSld>
+  <p:clrMapOvr>
+    <a:masterClrMapping/>
+  </p:clrMapOvr>
+</p:notes>
+</file>
+
+<file path=ppt/notesSlides/notesSlide4.xml><?xml version="1.0" encoding="utf-8"?>
+<p:notes xmlns:a="http://schemas.openxmlformats.org/drawingml/2006/main" xmlns:r="http://schemas.openxmlformats.org/officeDocument/2006/relationships" xmlns:p="http://schemas.openxmlformats.org/presentationml/2006/main">
+  <p:cSld>
+    <p:spTree>
+      <p:nvGrpSpPr>
+        <p:cNvPr id="1" name=""/>
+        <p:cNvGrpSpPr/>
+        <p:nvPr/>
+      </p:nvGrpSpPr>
+      <p:grpSpPr>
+        <a:xfrm>
+          <a:off x="0" y="0"/>
+          <a:ext cx="0" cy="0"/>
+          <a:chOff x="0" y="0"/>
+          <a:chExt cx="0" cy="0"/>
+        </a:xfrm>
+      </p:grpSpPr>
+      <p:sp>
+        <p:nvSpPr>
+          <p:cNvPr id="2" name="Slide Image Placeholder 1"/>
+          <p:cNvSpPr>
+            <a:spLocks noGrp="1" noRot="1" noChangeAspect="1"/>
+          </p:cNvSpPr>
+          <p:nvPr>
+            <p:ph type="sldImg"/>
+          </p:nvPr>
+        </p:nvSpPr>
+        <p:spPr/>
+      </p:sp>
+      <p:sp>
+        <p:nvSpPr>
+          <p:cNvPr id="3" name="Notes Placeholder 2"/>
+          <p:cNvSpPr>
+            <a:spLocks noGrp="1"/>
+          </p:cNvSpPr>
+          <p:nvPr>
+            <p:ph type="body" idx="1"/>
+          </p:nvPr>
+        </p:nvSpPr>
+        <p:spPr/>
+        <p:txBody>
+          <a:bodyPr/>
+          <a:lstStyle/>
+          <a:p>
+            <a:r>
+              <a:rPr lang="en-US" dirty="0" smtClean="0"/>
+              <a:t>Kevin</a:t>
+            </a:r>
+            <a:endParaRPr lang="en-US" dirty="0"/>
+          </a:p>
+        </p:txBody>
+      </p:sp>
+      <p:sp>
+        <p:nvSpPr>
+          <p:cNvPr id="4" name="Slide Number Placeholder 3"/>
+          <p:cNvSpPr>
+            <a:spLocks noGrp="1"/>
+          </p:cNvSpPr>
+          <p:nvPr>
+            <p:ph type="sldNum" sz="quarter" idx="10"/>
+          </p:nvPr>
+        </p:nvSpPr>
+        <p:spPr/>
+        <p:txBody>
+          <a:bodyPr/>
+          <a:lstStyle/>
+          <a:p>
+            <a:fld id="{082C0A6A-DFA6-9541-83C5-A43CC6AFDBF9}" type="slidenum">
+              <a:rPr lang="en-US" smtClean="0"/>
+              <a:t>9</a:t>
+            </a:fld>
+            <a:endParaRPr lang="en-US"/>
+          </a:p>
+        </p:txBody>
+      </p:sp>
+    </p:spTree>
+    <p:extLst>
+      <p:ext uri="{BB962C8B-B14F-4D97-AF65-F5344CB8AC3E}">
+        <p14:creationId xmlns:p14="http://schemas.microsoft.com/office/powerpoint/2010/main" val="1146031314"/>
+      </p:ext>
+    </p:extLst>
+  </p:cSld>
+  <p:clrMapOvr>
+    <a:masterClrMapping/>
+  </p:clrMapOvr>
+</p:notes>
+</file>
+
+<file path=ppt/notesSlides/notesSlide5.xml><?xml version="1.0" encoding="utf-8"?>
+<p:notes xmlns:a="http://schemas.openxmlformats.org/drawingml/2006/main" xmlns:r="http://schemas.openxmlformats.org/officeDocument/2006/relationships" xmlns:p="http://schemas.openxmlformats.org/presentationml/2006/main">
+  <p:cSld>
+    <p:spTree>
+      <p:nvGrpSpPr>
+        <p:cNvPr id="1" name=""/>
+        <p:cNvGrpSpPr/>
+        <p:nvPr/>
+      </p:nvGrpSpPr>
+      <p:grpSpPr>
+        <a:xfrm>
+          <a:off x="0" y="0"/>
+          <a:ext cx="0" cy="0"/>
+          <a:chOff x="0" y="0"/>
+          <a:chExt cx="0" cy="0"/>
+        </a:xfrm>
+      </p:grpSpPr>
+      <p:sp>
+        <p:nvSpPr>
+          <p:cNvPr id="2" name="Slide Image Placeholder 1"/>
+          <p:cNvSpPr>
+            <a:spLocks noGrp="1" noRot="1" noChangeAspect="1"/>
+          </p:cNvSpPr>
+          <p:nvPr>
+            <p:ph type="sldImg"/>
+          </p:nvPr>
+        </p:nvSpPr>
+        <p:spPr/>
+      </p:sp>
+      <p:sp>
+        <p:nvSpPr>
+          <p:cNvPr id="3" name="Notes Placeholder 2"/>
+          <p:cNvSpPr>
+            <a:spLocks noGrp="1"/>
+          </p:cNvSpPr>
+          <p:nvPr>
+            <p:ph type="body" idx="1"/>
+          </p:nvPr>
+        </p:nvSpPr>
+        <p:spPr/>
+        <p:txBody>
+          <a:bodyPr/>
+          <a:lstStyle/>
+          <a:p>
+            <a:r>
+              <a:rPr lang="en-US" dirty="0" err="1" smtClean="0"/>
+              <a:t>Quy</a:t>
+            </a:r>
+            <a:endParaRPr lang="en-US" dirty="0"/>
+          </a:p>
+        </p:txBody>
+      </p:sp>
+      <p:sp>
+        <p:nvSpPr>
+          <p:cNvPr id="4" name="Slide Number Placeholder 3"/>
+          <p:cNvSpPr>
+            <a:spLocks noGrp="1"/>
+          </p:cNvSpPr>
+          <p:nvPr>
+            <p:ph type="sldNum" sz="quarter" idx="10"/>
+          </p:nvPr>
+        </p:nvSpPr>
+        <p:spPr/>
+        <p:txBody>
+          <a:bodyPr/>
+          <a:lstStyle/>
+          <a:p>
+            <a:fld id="{082C0A6A-DFA6-9541-83C5-A43CC6AFDBF9}" type="slidenum">
+              <a:rPr lang="en-US" smtClean="0"/>
+              <a:t>11</a:t>
+            </a:fld>
+            <a:endParaRPr lang="en-US"/>
+          </a:p>
+        </p:txBody>
+      </p:sp>
+    </p:spTree>
+    <p:extLst>
+      <p:ext uri="{BB962C8B-B14F-4D97-AF65-F5344CB8AC3E}">
+        <p14:creationId xmlns:p14="http://schemas.microsoft.com/office/powerpoint/2010/main" val="699251682"/>
       </p:ext>
     </p:extLst>
   </p:cSld>
@@ -668,19 +1055,25 @@
         </p:nvSpPr>
         <p:spPr>
           <a:xfrm>
-            <a:off x="685800" y="2130425"/>
-            <a:ext cx="7772400" cy="1470025"/>
+            <a:off x="685800" y="1371600"/>
+            <a:ext cx="7848600" cy="1927225"/>
           </a:xfrm>
         </p:spPr>
         <p:txBody>
-          <a:bodyPr/>
-          <a:lstStyle/>
+          <a:bodyPr anchor="b">
+            <a:noAutofit/>
+          </a:bodyPr>
+          <a:lstStyle>
+            <a:lvl1pPr>
+              <a:defRPr sz="5400" cap="all" baseline="0"/>
+            </a:lvl1pPr>
+          </a:lstStyle>
           <a:p>
             <a:r>
               <a:rPr lang="en-US" smtClean="0"/>
               <a:t>Click to edit Master title style</a:t>
             </a:r>
-            <a:endParaRPr lang="en-US"/>
+            <a:endParaRPr lang="en-US" dirty="0"/>
           </a:p>
         </p:txBody>
       </p:sp>
@@ -696,19 +1089,20 @@
         </p:nvSpPr>
         <p:spPr>
           <a:xfrm>
-            <a:off x="1371600" y="3886200"/>
+            <a:off x="685800" y="3505200"/>
             <a:ext cx="6400800" cy="1752600"/>
           </a:xfrm>
         </p:spPr>
         <p:txBody>
           <a:bodyPr/>
           <a:lstStyle>
-            <a:lvl1pPr marL="0" indent="0" algn="ctr">
+            <a:lvl1pPr marL="0" indent="0" algn="l">
               <a:buNone/>
               <a:defRPr>
                 <a:solidFill>
                   <a:schemeClr val="tx1">
-                    <a:tint val="75000"/>
+                    <a:lumMod val="75000"/>
+                    <a:lumOff val="25000"/>
                   </a:schemeClr>
                 </a:solidFill>
               </a:defRPr>
@@ -799,7 +1193,7 @@
               <a:rPr lang="en-US" smtClean="0"/>
               <a:t>Click to edit Master subtitle style</a:t>
             </a:r>
-            <a:endParaRPr lang="en-US"/>
+            <a:endParaRPr lang="en-US" dirty="0"/>
           </a:p>
         </p:txBody>
       </p:sp>
@@ -820,7 +1214,7 @@
           <a:p>
             <a:fld id="{4ECAEE1C-0E86-C848-A71E-BFD10A00B014}" type="datetimeFigureOut">
               <a:rPr lang="en-US" smtClean="0"/>
-              <a:t>5/28/12</a:t>
+              <a:t>5/30/12</a:t>
             </a:fld>
             <a:endParaRPr lang="en-US"/>
           </a:p>
@@ -868,12 +1262,42 @@
           </a:p>
         </p:txBody>
       </p:sp>
+      <p:cxnSp>
+        <p:nvCxnSpPr>
+          <p:cNvPr id="8" name="Straight Connector 7"/>
+          <p:cNvCxnSpPr/>
+          <p:nvPr/>
+        </p:nvCxnSpPr>
+        <p:spPr>
+          <a:xfrm>
+            <a:off x="685800" y="3398520"/>
+            <a:ext cx="7848600" cy="1588"/>
+          </a:xfrm>
+          <a:prstGeom prst="line">
+            <a:avLst/>
+          </a:prstGeom>
+          <a:ln w="19050">
+            <a:solidFill>
+              <a:schemeClr val="tx2"/>
+            </a:solidFill>
+          </a:ln>
+        </p:spPr>
+        <p:style>
+          <a:lnRef idx="1">
+            <a:schemeClr val="accent1"/>
+          </a:lnRef>
+          <a:fillRef idx="0">
+            <a:schemeClr val="accent1"/>
+          </a:fillRef>
+          <a:effectRef idx="0">
+            <a:schemeClr val="accent1"/>
+          </a:effectRef>
+          <a:fontRef idx="minor">
+            <a:schemeClr val="tx1"/>
+          </a:fontRef>
+        </p:style>
+      </p:cxnSp>
     </p:spTree>
-    <p:extLst>
-      <p:ext uri="{BB962C8B-B14F-4D97-AF65-F5344CB8AC3E}">
-        <p14:creationId xmlns:p14="http://schemas.microsoft.com/office/powerpoint/2010/main" val="1368821585"/>
-      </p:ext>
-    </p:extLst>
   </p:cSld>
   <p:clrMapOvr>
     <a:masterClrMapping/>
@@ -990,7 +1414,7 @@
           <a:p>
             <a:fld id="{4ECAEE1C-0E86-C848-A71E-BFD10A00B014}" type="datetimeFigureOut">
               <a:rPr lang="en-US" smtClean="0"/>
-              <a:t>5/28/12</a:t>
+              <a:t>5/30/12</a:t>
             </a:fld>
             <a:endParaRPr lang="en-US"/>
           </a:p>
@@ -1039,11 +1463,6 @@
         </p:txBody>
       </p:sp>
     </p:spTree>
-    <p:extLst>
-      <p:ext uri="{BB962C8B-B14F-4D97-AF65-F5344CB8AC3E}">
-        <p14:creationId xmlns:p14="http://schemas.microsoft.com/office/powerpoint/2010/main" val="971088618"/>
-      </p:ext>
-    </p:extLst>
   </p:cSld>
   <p:clrMapOvr>
     <a:masterClrMapping/>
@@ -1080,19 +1499,19 @@
         </p:nvSpPr>
         <p:spPr>
           <a:xfrm>
-            <a:off x="6629400" y="274638"/>
-            <a:ext cx="2057400" cy="5851525"/>
+            <a:off x="6629400" y="609600"/>
+            <a:ext cx="2057400" cy="5867400"/>
           </a:xfrm>
         </p:spPr>
         <p:txBody>
-          <a:bodyPr vert="eaVert"/>
+          <a:bodyPr vert="eaVert" anchor="b"/>
           <a:lstStyle/>
           <a:p>
             <a:r>
               <a:rPr lang="en-US" smtClean="0"/>
               <a:t>Click to edit Master title style</a:t>
             </a:r>
-            <a:endParaRPr lang="en-US"/>
+            <a:endParaRPr lang="en-US" dirty="0"/>
           </a:p>
         </p:txBody>
       </p:sp>
@@ -1108,8 +1527,8 @@
         </p:nvSpPr>
         <p:spPr>
           <a:xfrm>
-            <a:off x="457200" y="274638"/>
-            <a:ext cx="6019800" cy="5851525"/>
+            <a:off x="457200" y="609600"/>
+            <a:ext cx="6019800" cy="5867400"/>
           </a:xfrm>
         </p:spPr>
         <p:txBody>
@@ -1149,7 +1568,7 @@
               <a:rPr lang="en-US" smtClean="0"/>
               <a:t>Fifth level</a:t>
             </a:r>
-            <a:endParaRPr lang="en-US"/>
+            <a:endParaRPr lang="en-US" dirty="0"/>
           </a:p>
         </p:txBody>
       </p:sp>
@@ -1170,7 +1589,7 @@
           <a:p>
             <a:fld id="{4ECAEE1C-0E86-C848-A71E-BFD10A00B014}" type="datetimeFigureOut">
               <a:rPr lang="en-US" smtClean="0"/>
-              <a:t>5/28/12</a:t>
+              <a:t>5/30/12</a:t>
             </a:fld>
             <a:endParaRPr lang="en-US"/>
           </a:p>
@@ -1219,11 +1638,6 @@
         </p:txBody>
       </p:sp>
     </p:spTree>
-    <p:extLst>
-      <p:ext uri="{BB962C8B-B14F-4D97-AF65-F5344CB8AC3E}">
-        <p14:creationId xmlns:p14="http://schemas.microsoft.com/office/powerpoint/2010/main" val="282449857"/>
-      </p:ext>
-    </p:extLst>
   </p:cSld>
   <p:clrMapOvr>
     <a:masterClrMapping/>
@@ -1340,7 +1754,7 @@
           <a:p>
             <a:fld id="{4ECAEE1C-0E86-C848-A71E-BFD10A00B014}" type="datetimeFigureOut">
               <a:rPr lang="en-US" smtClean="0"/>
-              <a:t>5/28/12</a:t>
+              <a:t>5/30/12</a:t>
             </a:fld>
             <a:endParaRPr lang="en-US"/>
           </a:p>
@@ -1389,11 +1803,6 @@
         </p:txBody>
       </p:sp>
     </p:spTree>
-    <p:extLst>
-      <p:ext uri="{BB962C8B-B14F-4D97-AF65-F5344CB8AC3E}">
-        <p14:creationId xmlns:p14="http://schemas.microsoft.com/office/powerpoint/2010/main" val="3882122895"/>
-      </p:ext>
-    </p:extLst>
   </p:cSld>
   <p:clrMapOvr>
     <a:masterClrMapping/>
@@ -1404,6 +1813,11 @@
 <file path=ppt/slideLayouts/slideLayout3.xml><?xml version="1.0" encoding="utf-8"?>
 <p:sldLayout xmlns:a="http://schemas.openxmlformats.org/drawingml/2006/main" xmlns:r="http://schemas.openxmlformats.org/officeDocument/2006/relationships" xmlns:p="http://schemas.openxmlformats.org/presentationml/2006/main" type="secHead" preserve="1">
   <p:cSld name="Section Header">
+    <p:bg>
+      <p:bgRef idx="1001">
+        <a:schemeClr val="bg2"/>
+      </p:bgRef>
+    </p:bg>
     <p:spTree>
       <p:nvGrpSpPr>
         <p:cNvPr id="1" name=""/>
@@ -1430,15 +1844,17 @@
         </p:nvSpPr>
         <p:spPr>
           <a:xfrm>
-            <a:off x="722313" y="4406900"/>
-            <a:ext cx="7772400" cy="1362075"/>
+            <a:off x="722313" y="2362200"/>
+            <a:ext cx="7772400" cy="2200275"/>
           </a:xfrm>
         </p:spPr>
         <p:txBody>
-          <a:bodyPr anchor="t"/>
+          <a:bodyPr anchor="b">
+            <a:normAutofit/>
+          </a:bodyPr>
           <a:lstStyle>
             <a:lvl1pPr algn="l">
-              <a:defRPr sz="4000" b="1" cap="all"/>
+              <a:defRPr sz="4800" b="0" cap="all"/>
             </a:lvl1pPr>
           </a:lstStyle>
           <a:p>
@@ -1446,7 +1862,7 @@
               <a:rPr lang="en-US" smtClean="0"/>
               <a:t>Click to edit Master title style</a:t>
             </a:r>
-            <a:endParaRPr lang="en-US"/>
+            <a:endParaRPr lang="en-US" dirty="0"/>
           </a:p>
         </p:txBody>
       </p:sp>
@@ -1462,20 +1878,20 @@
         </p:nvSpPr>
         <p:spPr>
           <a:xfrm>
-            <a:off x="722313" y="2906713"/>
+            <a:off x="722313" y="4626864"/>
             <a:ext cx="7772400" cy="1500187"/>
           </a:xfrm>
         </p:spPr>
         <p:txBody>
-          <a:bodyPr anchor="b"/>
+          <a:bodyPr anchor="t">
+            <a:normAutofit/>
+          </a:bodyPr>
           <a:lstStyle>
             <a:lvl1pPr marL="0" indent="0">
               <a:buNone/>
-              <a:defRPr sz="2000">
+              <a:defRPr sz="2400">
                 <a:solidFill>
-                  <a:schemeClr val="tx1">
-                    <a:tint val="75000"/>
-                  </a:schemeClr>
+                  <a:schemeClr val="tx2"/>
                 </a:solidFill>
               </a:defRPr>
             </a:lvl1pPr>
@@ -1586,7 +2002,7 @@
           <a:p>
             <a:fld id="{4ECAEE1C-0E86-C848-A71E-BFD10A00B014}" type="datetimeFigureOut">
               <a:rPr lang="en-US" smtClean="0"/>
-              <a:t>5/28/12</a:t>
+              <a:t>5/30/12</a:t>
             </a:fld>
             <a:endParaRPr lang="en-US"/>
           </a:p>
@@ -1634,15 +2050,45 @@
           </a:p>
         </p:txBody>
       </p:sp>
+      <p:cxnSp>
+        <p:nvCxnSpPr>
+          <p:cNvPr id="7" name="Straight Connector 6"/>
+          <p:cNvCxnSpPr/>
+          <p:nvPr/>
+        </p:nvCxnSpPr>
+        <p:spPr>
+          <a:xfrm>
+            <a:off x="731520" y="4599432"/>
+            <a:ext cx="7848600" cy="1588"/>
+          </a:xfrm>
+          <a:prstGeom prst="line">
+            <a:avLst/>
+          </a:prstGeom>
+          <a:ln w="19050">
+            <a:solidFill>
+              <a:schemeClr val="tx2"/>
+            </a:solidFill>
+          </a:ln>
+        </p:spPr>
+        <p:style>
+          <a:lnRef idx="1">
+            <a:schemeClr val="accent1"/>
+          </a:lnRef>
+          <a:fillRef idx="0">
+            <a:schemeClr val="accent1"/>
+          </a:fillRef>
+          <a:effectRef idx="0">
+            <a:schemeClr val="accent1"/>
+          </a:effectRef>
+          <a:fontRef idx="minor">
+            <a:schemeClr val="tx1"/>
+          </a:fontRef>
+        </p:style>
+      </p:cxnSp>
     </p:spTree>
-    <p:extLst>
-      <p:ext uri="{BB962C8B-B14F-4D97-AF65-F5344CB8AC3E}">
-        <p14:creationId xmlns:p14="http://schemas.microsoft.com/office/powerpoint/2010/main" val="1976844711"/>
-      </p:ext>
-    </p:extLst>
   </p:cSld>
   <p:clrMapOvr>
-    <a:masterClrMapping/>
+    <a:overrideClrMapping bg1="dk1" tx1="lt1" bg2="dk2" tx2="lt2" accent1="accent1" accent2="accent2" accent3="accent3" accent4="accent4" accent5="accent5" accent6="accent6" hlink="hlink" folHlink="folHlink"/>
   </p:clrMapOvr>
 </p:sldLayout>
 </file>
@@ -1699,8 +2145,8 @@
         </p:nvSpPr>
         <p:spPr>
           <a:xfrm>
-            <a:off x="457200" y="1600200"/>
-            <a:ext cx="4038600" cy="4525963"/>
+            <a:off x="457200" y="1673352"/>
+            <a:ext cx="4038600" cy="4718304"/>
           </a:xfrm>
         </p:spPr>
         <p:txBody>
@@ -1768,7 +2214,7 @@
               <a:rPr lang="en-US" smtClean="0"/>
               <a:t>Fifth level</a:t>
             </a:r>
-            <a:endParaRPr lang="en-US"/>
+            <a:endParaRPr lang="en-US" dirty="0"/>
           </a:p>
         </p:txBody>
       </p:sp>
@@ -1784,8 +2230,8 @@
         </p:nvSpPr>
         <p:spPr>
           <a:xfrm>
-            <a:off x="4648200" y="1600200"/>
-            <a:ext cx="4038600" cy="4525963"/>
+            <a:off x="4648200" y="1673352"/>
+            <a:ext cx="4038600" cy="4718304"/>
           </a:xfrm>
         </p:spPr>
         <p:txBody>
@@ -1853,7 +2299,7 @@
               <a:rPr lang="en-US" smtClean="0"/>
               <a:t>Fifth level</a:t>
             </a:r>
-            <a:endParaRPr lang="en-US"/>
+            <a:endParaRPr lang="en-US" dirty="0"/>
           </a:p>
         </p:txBody>
       </p:sp>
@@ -1874,7 +2320,7 @@
           <a:p>
             <a:fld id="{4ECAEE1C-0E86-C848-A71E-BFD10A00B014}" type="datetimeFigureOut">
               <a:rPr lang="en-US" smtClean="0"/>
-              <a:t>5/28/12</a:t>
+              <a:t>5/30/12</a:t>
             </a:fld>
             <a:endParaRPr lang="en-US"/>
           </a:p>
@@ -1923,11 +2369,6 @@
         </p:txBody>
       </p:sp>
     </p:spTree>
-    <p:extLst>
-      <p:ext uri="{BB962C8B-B14F-4D97-AF65-F5344CB8AC3E}">
-        <p14:creationId xmlns:p14="http://schemas.microsoft.com/office/powerpoint/2010/main" val="302104667"/>
-      </p:ext>
-    </p:extLst>
   </p:cSld>
   <p:clrMapOvr>
     <a:masterClrMapping/>
@@ -1975,7 +2416,7 @@
               <a:rPr lang="en-US" smtClean="0"/>
               <a:t>Click to edit Master title style</a:t>
             </a:r>
-            <a:endParaRPr lang="en-US"/>
+            <a:endParaRPr lang="en-US" dirty="0"/>
           </a:p>
         </p:txBody>
       </p:sp>
@@ -1991,16 +2432,39 @@
         </p:nvSpPr>
         <p:spPr>
           <a:xfrm>
-            <a:off x="457200" y="1535113"/>
-            <a:ext cx="4040188" cy="639762"/>
+            <a:off x="457200" y="1676400"/>
+            <a:ext cx="3931920" cy="639762"/>
           </a:xfrm>
+          <a:noFill/>
+          <a:ln>
+            <a:noFill/>
+          </a:ln>
+          <a:effectLst/>
         </p:spPr>
-        <p:txBody>
-          <a:bodyPr anchor="b"/>
+        <p:style>
+          <a:lnRef idx="3">
+            <a:schemeClr val="lt1"/>
+          </a:lnRef>
+          <a:fillRef idx="1">
+            <a:schemeClr val="accent2"/>
+          </a:fillRef>
+          <a:effectRef idx="1">
+            <a:schemeClr val="accent2"/>
+          </a:effectRef>
+          <a:fontRef idx="none"/>
+        </p:style>
+        <p:txBody>
+          <a:bodyPr anchor="ctr">
+            <a:normAutofit/>
+          </a:bodyPr>
           <a:lstStyle>
-            <a:lvl1pPr marL="0" indent="0">
+            <a:lvl1pPr marL="0" indent="0" algn="ctr">
               <a:buNone/>
-              <a:defRPr sz="2400" b="1"/>
+              <a:defRPr sz="2000" b="0">
+                <a:solidFill>
+                  <a:schemeClr val="tx2"/>
+                </a:solidFill>
+              </a:defRPr>
             </a:lvl1pPr>
             <a:lvl2pPr marL="457200" indent="0">
               <a:buNone/>
@@ -2056,8 +2520,8 @@
         </p:nvSpPr>
         <p:spPr>
           <a:xfrm>
-            <a:off x="457200" y="2174875"/>
-            <a:ext cx="4040188" cy="3951288"/>
+            <a:off x="457200" y="2438400"/>
+            <a:ext cx="3931920" cy="3951288"/>
           </a:xfrm>
         </p:spPr>
         <p:txBody>
@@ -2125,7 +2589,7 @@
               <a:rPr lang="en-US" smtClean="0"/>
               <a:t>Fifth level</a:t>
             </a:r>
-            <a:endParaRPr lang="en-US"/>
+            <a:endParaRPr lang="en-US" dirty="0"/>
           </a:p>
         </p:txBody>
       </p:sp>
@@ -2141,16 +2605,42 @@
         </p:nvSpPr>
         <p:spPr>
           <a:xfrm>
-            <a:off x="4645025" y="1535113"/>
-            <a:ext cx="4041775" cy="639762"/>
+            <a:off x="4754880" y="1676400"/>
+            <a:ext cx="3931920" cy="639762"/>
           </a:xfrm>
+          <a:noFill/>
+          <a:ln>
+            <a:noFill/>
+          </a:ln>
+          <a:effectLst/>
         </p:spPr>
-        <p:txBody>
-          <a:bodyPr anchor="b"/>
+        <p:style>
+          <a:lnRef idx="3">
+            <a:schemeClr val="lt1"/>
+          </a:lnRef>
+          <a:fillRef idx="1">
+            <a:schemeClr val="accent2"/>
+          </a:fillRef>
+          <a:effectRef idx="1">
+            <a:schemeClr val="accent2"/>
+          </a:effectRef>
+          <a:fontRef idx="none"/>
+        </p:style>
+        <p:txBody>
+          <a:bodyPr anchor="ctr">
+            <a:normAutofit/>
+          </a:bodyPr>
           <a:lstStyle>
-            <a:lvl1pPr marL="0" indent="0">
+            <a:lvl1pPr marL="0" indent="0" algn="ctr">
               <a:buNone/>
-              <a:defRPr sz="2400" b="1"/>
+              <a:defRPr lang="en-US" sz="2000" b="0" kern="1200" dirty="0" smtClean="0">
+                <a:solidFill>
+                  <a:schemeClr val="tx2"/>
+                </a:solidFill>
+                <a:latin typeface="+mn-lt"/>
+                <a:ea typeface="+mn-ea"/>
+                <a:cs typeface="+mn-cs"/>
+              </a:defRPr>
             </a:lvl1pPr>
             <a:lvl2pPr marL="457200" indent="0">
               <a:buNone/>
@@ -2206,8 +2696,8 @@
         </p:nvSpPr>
         <p:spPr>
           <a:xfrm>
-            <a:off x="4645025" y="2174875"/>
-            <a:ext cx="4041775" cy="3951288"/>
+            <a:off x="4754880" y="2438400"/>
+            <a:ext cx="3931920" cy="3951288"/>
           </a:xfrm>
         </p:spPr>
         <p:txBody>
@@ -2275,7 +2765,7 @@
               <a:rPr lang="en-US" smtClean="0"/>
               <a:t>Fifth level</a:t>
             </a:r>
-            <a:endParaRPr lang="en-US"/>
+            <a:endParaRPr lang="en-US" dirty="0"/>
           </a:p>
         </p:txBody>
       </p:sp>
@@ -2296,7 +2786,7 @@
           <a:p>
             <a:fld id="{4ECAEE1C-0E86-C848-A71E-BFD10A00B014}" type="datetimeFigureOut">
               <a:rPr lang="en-US" smtClean="0"/>
-              <a:t>5/28/12</a:t>
+              <a:t>5/30/12</a:t>
             </a:fld>
             <a:endParaRPr lang="en-US"/>
           </a:p>
@@ -2344,12 +2834,42 @@
           </a:p>
         </p:txBody>
       </p:sp>
+      <p:cxnSp>
+        <p:nvCxnSpPr>
+          <p:cNvPr id="11" name="Straight Connector 10"/>
+          <p:cNvCxnSpPr/>
+          <p:nvPr/>
+        </p:nvCxnSpPr>
+        <p:spPr>
+          <a:xfrm rot="5400000">
+            <a:off x="2217817" y="4045823"/>
+            <a:ext cx="4709160" cy="794"/>
+          </a:xfrm>
+          <a:prstGeom prst="line">
+            <a:avLst/>
+          </a:prstGeom>
+          <a:ln w="19050">
+            <a:solidFill>
+              <a:schemeClr val="tx2"/>
+            </a:solidFill>
+          </a:ln>
+        </p:spPr>
+        <p:style>
+          <a:lnRef idx="1">
+            <a:schemeClr val="accent1"/>
+          </a:lnRef>
+          <a:fillRef idx="0">
+            <a:schemeClr val="accent1"/>
+          </a:fillRef>
+          <a:effectRef idx="0">
+            <a:schemeClr val="accent1"/>
+          </a:effectRef>
+          <a:fontRef idx="minor">
+            <a:schemeClr val="tx1"/>
+          </a:fontRef>
+        </p:style>
+      </p:cxnSp>
     </p:spTree>
-    <p:extLst>
-      <p:ext uri="{BB962C8B-B14F-4D97-AF65-F5344CB8AC3E}">
-        <p14:creationId xmlns:p14="http://schemas.microsoft.com/office/powerpoint/2010/main" val="3516455853"/>
-      </p:ext>
-    </p:extLst>
   </p:cSld>
   <p:clrMapOvr>
     <a:masterClrMapping/>
@@ -2414,7 +2934,7 @@
           <a:p>
             <a:fld id="{4ECAEE1C-0E86-C848-A71E-BFD10A00B014}" type="datetimeFigureOut">
               <a:rPr lang="en-US" smtClean="0"/>
-              <a:t>5/28/12</a:t>
+              <a:t>5/30/12</a:t>
             </a:fld>
             <a:endParaRPr lang="en-US"/>
           </a:p>
@@ -2463,11 +2983,6 @@
         </p:txBody>
       </p:sp>
     </p:spTree>
-    <p:extLst>
-      <p:ext uri="{BB962C8B-B14F-4D97-AF65-F5344CB8AC3E}">
-        <p14:creationId xmlns:p14="http://schemas.microsoft.com/office/powerpoint/2010/main" val="3421087061"/>
-      </p:ext>
-    </p:extLst>
   </p:cSld>
   <p:clrMapOvr>
     <a:masterClrMapping/>
@@ -2509,7 +3024,7 @@
           <a:p>
             <a:fld id="{4ECAEE1C-0E86-C848-A71E-BFD10A00B014}" type="datetimeFigureOut">
               <a:rPr lang="en-US" smtClean="0"/>
-              <a:t>5/28/12</a:t>
+              <a:t>5/30/12</a:t>
             </a:fld>
             <a:endParaRPr lang="en-US"/>
           </a:p>
@@ -2558,11 +3073,6 @@
         </p:txBody>
       </p:sp>
     </p:spTree>
-    <p:extLst>
-      <p:ext uri="{BB962C8B-B14F-4D97-AF65-F5344CB8AC3E}">
-        <p14:creationId xmlns:p14="http://schemas.microsoft.com/office/powerpoint/2010/main" val="4213244473"/>
-      </p:ext>
-    </p:extLst>
   </p:cSld>
   <p:clrMapOvr>
     <a:masterClrMapping/>
@@ -2599,15 +3109,17 @@
         </p:nvSpPr>
         <p:spPr>
           <a:xfrm>
-            <a:off x="457200" y="273050"/>
-            <a:ext cx="3008313" cy="1162050"/>
+            <a:off x="457200" y="792080"/>
+            <a:ext cx="2139696" cy="1261872"/>
           </a:xfrm>
         </p:spPr>
         <p:txBody>
-          <a:bodyPr anchor="b"/>
+          <a:bodyPr anchor="b">
+            <a:noAutofit/>
+          </a:bodyPr>
           <a:lstStyle>
             <a:lvl1pPr algn="l">
-              <a:defRPr sz="2000" b="1"/>
+              <a:defRPr sz="2400" b="0"/>
             </a:lvl1pPr>
           </a:lstStyle>
           <a:p>
@@ -2615,7 +3127,7 @@
               <a:rPr lang="en-US" smtClean="0"/>
               <a:t>Click to edit Master title style</a:t>
             </a:r>
-            <a:endParaRPr lang="en-US"/>
+            <a:endParaRPr lang="en-US" dirty="0"/>
           </a:p>
         </p:txBody>
       </p:sp>
@@ -2631,8 +3143,8 @@
         </p:nvSpPr>
         <p:spPr>
           <a:xfrm>
-            <a:off x="3575050" y="273050"/>
-            <a:ext cx="5111750" cy="5853113"/>
+            <a:off x="2971800" y="792080"/>
+            <a:ext cx="5715000" cy="5577840"/>
           </a:xfrm>
         </p:spPr>
         <p:txBody>
@@ -2700,7 +3212,7 @@
               <a:rPr lang="en-US" smtClean="0"/>
               <a:t>Fifth level</a:t>
             </a:r>
-            <a:endParaRPr lang="en-US"/>
+            <a:endParaRPr lang="en-US" dirty="0"/>
           </a:p>
         </p:txBody>
       </p:sp>
@@ -2716,8 +3228,8 @@
         </p:nvSpPr>
         <p:spPr>
           <a:xfrm>
-            <a:off x="457200" y="1435100"/>
-            <a:ext cx="3008313" cy="4691063"/>
+            <a:off x="457201" y="2130552"/>
+            <a:ext cx="2139696" cy="4243615"/>
           </a:xfrm>
         </p:spPr>
         <p:txBody>
@@ -2786,7 +3298,7 @@
           <a:p>
             <a:fld id="{4ECAEE1C-0E86-C848-A71E-BFD10A00B014}" type="datetimeFigureOut">
               <a:rPr lang="en-US" smtClean="0"/>
-              <a:t>5/28/12</a:t>
+              <a:t>5/30/12</a:t>
             </a:fld>
             <a:endParaRPr lang="en-US"/>
           </a:p>
@@ -2834,12 +3346,42 @@
           </a:p>
         </p:txBody>
       </p:sp>
+      <p:cxnSp>
+        <p:nvCxnSpPr>
+          <p:cNvPr id="9" name="Straight Connector 8"/>
+          <p:cNvCxnSpPr/>
+          <p:nvPr/>
+        </p:nvCxnSpPr>
+        <p:spPr>
+          <a:xfrm rot="5400000">
+            <a:off x="-13116" y="3580206"/>
+            <a:ext cx="5577840" cy="1588"/>
+          </a:xfrm>
+          <a:prstGeom prst="line">
+            <a:avLst/>
+          </a:prstGeom>
+          <a:ln w="19050">
+            <a:solidFill>
+              <a:schemeClr val="tx2"/>
+            </a:solidFill>
+          </a:ln>
+        </p:spPr>
+        <p:style>
+          <a:lnRef idx="1">
+            <a:schemeClr val="accent1"/>
+          </a:lnRef>
+          <a:fillRef idx="0">
+            <a:schemeClr val="accent1"/>
+          </a:fillRef>
+          <a:effectRef idx="0">
+            <a:schemeClr val="accent1"/>
+          </a:effectRef>
+          <a:fontRef idx="minor">
+            <a:schemeClr val="tx1"/>
+          </a:fontRef>
+        </p:style>
+      </p:cxnSp>
     </p:spTree>
-    <p:extLst>
-      <p:ext uri="{BB962C8B-B14F-4D97-AF65-F5344CB8AC3E}">
-        <p14:creationId xmlns:p14="http://schemas.microsoft.com/office/powerpoint/2010/main" val="4211208363"/>
-      </p:ext>
-    </p:extLst>
   </p:cSld>
   <p:clrMapOvr>
     <a:masterClrMapping/>
@@ -2876,15 +3418,17 @@
         </p:nvSpPr>
         <p:spPr>
           <a:xfrm>
-            <a:off x="1792288" y="4800600"/>
-            <a:ext cx="5486400" cy="566738"/>
+            <a:off x="457200" y="792480"/>
+            <a:ext cx="2142680" cy="1264920"/>
           </a:xfrm>
         </p:spPr>
         <p:txBody>
-          <a:bodyPr anchor="b"/>
+          <a:bodyPr anchor="b">
+            <a:normAutofit/>
+          </a:bodyPr>
           <a:lstStyle>
             <a:lvl1pPr algn="l">
-              <a:defRPr sz="2000" b="1"/>
+              <a:defRPr sz="2400" b="0"/>
             </a:lvl1pPr>
           </a:lstStyle>
           <a:p>
@@ -2892,7 +3436,7 @@
               <a:rPr lang="en-US" smtClean="0"/>
               <a:t>Click to edit Master title style</a:t>
             </a:r>
-            <a:endParaRPr lang="en-US"/>
+            <a:endParaRPr lang="en-US" dirty="0"/>
           </a:p>
         </p:txBody>
       </p:sp>
@@ -2908,9 +3452,25 @@
         </p:nvSpPr>
         <p:spPr>
           <a:xfrm>
-            <a:off x="1792288" y="612775"/>
-            <a:ext cx="5486400" cy="4114800"/>
+            <a:off x="2858610" y="838201"/>
+            <a:ext cx="5904390" cy="5500456"/>
           </a:xfrm>
+          <a:solidFill>
+            <a:schemeClr val="bg2"/>
+          </a:solidFill>
+          <a:ln w="76200">
+            <a:solidFill>
+              <a:srgbClr val="FFFFFF"/>
+            </a:solidFill>
+            <a:miter lim="800000"/>
+          </a:ln>
+          <a:effectLst>
+            <a:outerShdw blurRad="50800" dist="12700" dir="5400000" algn="t" rotWithShape="0">
+              <a:prstClr val="black">
+                <a:alpha val="59000"/>
+              </a:prstClr>
+            </a:outerShdw>
+          </a:effectLst>
         </p:spPr>
         <p:txBody>
           <a:bodyPr/>
@@ -2953,7 +3513,11 @@
             </a:lvl9pPr>
           </a:lstStyle>
           <a:p>
-            <a:endParaRPr lang="en-US"/>
+            <a:r>
+              <a:rPr lang="en-US" smtClean="0"/>
+              <a:t>Drag picture to placeholder or click icon to add</a:t>
+            </a:r>
+            <a:endParaRPr lang="en-US" dirty="0"/>
           </a:p>
         </p:txBody>
       </p:sp>
@@ -2969,8 +3533,8 @@
         </p:nvSpPr>
         <p:spPr>
           <a:xfrm>
-            <a:off x="1792288" y="5367338"/>
-            <a:ext cx="5486400" cy="804862"/>
+            <a:off x="457200" y="2133600"/>
+            <a:ext cx="2139696" cy="4242816"/>
           </a:xfrm>
         </p:spPr>
         <p:txBody>
@@ -3039,7 +3603,7 @@
           <a:p>
             <a:fld id="{4ECAEE1C-0E86-C848-A71E-BFD10A00B014}" type="datetimeFigureOut">
               <a:rPr lang="en-US" smtClean="0"/>
-              <a:t>5/28/12</a:t>
+              <a:t>5/30/12</a:t>
             </a:fld>
             <a:endParaRPr lang="en-US"/>
           </a:p>
@@ -3088,11 +3652,6 @@
         </p:txBody>
       </p:sp>
     </p:spTree>
-    <p:extLst>
-      <p:ext uri="{BB962C8B-B14F-4D97-AF65-F5344CB8AC3E}">
-        <p14:creationId xmlns:p14="http://schemas.microsoft.com/office/powerpoint/2010/main" val="1517062010"/>
-      </p:ext>
-    </p:extLst>
   </p:cSld>
   <p:clrMapOvr>
     <a:masterClrMapping/>
@@ -3124,18 +3683,64 @@
       </p:grpSpPr>
       <p:sp>
         <p:nvSpPr>
-          <p:cNvPr id="2" name="Title Placeholder 1"/>
-          <p:cNvSpPr>
-            <a:spLocks noGrp="1"/>
-          </p:cNvSpPr>
-          <p:nvPr>
-            <p:ph type="title"/>
-          </p:nvPr>
+          <p:cNvPr id="10" name="Rectangle 9"/>
+          <p:cNvSpPr/>
+          <p:nvPr/>
         </p:nvSpPr>
         <p:spPr>
           <a:xfrm>
-            <a:off x="457200" y="274638"/>
-            <a:ext cx="8229600" cy="1143000"/>
+            <a:off x="0" y="220786"/>
+            <a:ext cx="9144000" cy="228600"/>
+          </a:xfrm>
+          <a:prstGeom prst="rect">
+            <a:avLst/>
+          </a:prstGeom>
+          <a:solidFill>
+            <a:srgbClr val="FFFFFF"/>
+          </a:solidFill>
+          <a:ln>
+            <a:noFill/>
+          </a:ln>
+        </p:spPr>
+        <p:style>
+          <a:lnRef idx="2">
+            <a:schemeClr val="accent1">
+              <a:shade val="50000"/>
+            </a:schemeClr>
+          </a:lnRef>
+          <a:fillRef idx="1">
+            <a:schemeClr val="accent1"/>
+          </a:fillRef>
+          <a:effectRef idx="0">
+            <a:schemeClr val="accent1"/>
+          </a:effectRef>
+          <a:fontRef idx="minor">
+            <a:schemeClr val="lt1"/>
+          </a:fontRef>
+        </p:style>
+        <p:txBody>
+          <a:bodyPr rtlCol="0" anchor="ctr"/>
+          <a:lstStyle/>
+          <a:p>
+            <a:pPr algn="ctr"/>
+            <a:endParaRPr lang="en-US"/>
+          </a:p>
+        </p:txBody>
+      </p:sp>
+      <p:sp>
+        <p:nvSpPr>
+          <p:cNvPr id="2" name="Title Placeholder 1"/>
+          <p:cNvSpPr>
+            <a:spLocks noGrp="1"/>
+          </p:cNvSpPr>
+          <p:nvPr>
+            <p:ph type="title"/>
+          </p:nvPr>
+        </p:nvSpPr>
+        <p:spPr>
+          <a:xfrm>
+            <a:off x="457200" y="533400"/>
+            <a:ext cx="8229600" cy="990600"/>
           </a:xfrm>
           <a:prstGeom prst="rect">
             <a:avLst/>
@@ -3151,7 +3756,7 @@
               <a:rPr lang="en-US" smtClean="0"/>
               <a:t>Click to edit Master title style</a:t>
             </a:r>
-            <a:endParaRPr lang="en-US"/>
+            <a:endParaRPr lang="en-US" dirty="0"/>
           </a:p>
         </p:txBody>
       </p:sp>
@@ -3168,7 +3773,7 @@
         <p:spPr>
           <a:xfrm>
             <a:off x="457200" y="1600200"/>
-            <a:ext cx="8229600" cy="4525963"/>
+            <a:ext cx="8229600" cy="4876800"/>
           </a:xfrm>
           <a:prstGeom prst="rect">
             <a:avLst/>
@@ -3213,24 +3818,70 @@
               <a:rPr lang="en-US" smtClean="0"/>
               <a:t>Fifth level</a:t>
             </a:r>
-            <a:endParaRPr lang="en-US"/>
-          </a:p>
-        </p:txBody>
-      </p:sp>
-      <p:sp>
-        <p:nvSpPr>
-          <p:cNvPr id="4" name="Date Placeholder 3"/>
-          <p:cNvSpPr>
-            <a:spLocks noGrp="1"/>
-          </p:cNvSpPr>
-          <p:nvPr>
-            <p:ph type="dt" sz="half" idx="2"/>
-          </p:nvPr>
+            <a:endParaRPr lang="en-US" dirty="0"/>
+          </a:p>
+        </p:txBody>
+      </p:sp>
+      <p:sp>
+        <p:nvSpPr>
+          <p:cNvPr id="7" name="Rectangle 6"/>
+          <p:cNvSpPr/>
+          <p:nvPr/>
         </p:nvSpPr>
         <p:spPr>
           <a:xfrm>
-            <a:off x="457200" y="6356350"/>
-            <a:ext cx="2133600" cy="365125"/>
+            <a:off x="0" y="0"/>
+            <a:ext cx="9144000" cy="365760"/>
+          </a:xfrm>
+          <a:prstGeom prst="rect">
+            <a:avLst/>
+          </a:prstGeom>
+          <a:solidFill>
+            <a:schemeClr val="accent1"/>
+          </a:solidFill>
+          <a:ln>
+            <a:noFill/>
+          </a:ln>
+        </p:spPr>
+        <p:style>
+          <a:lnRef idx="2">
+            <a:schemeClr val="accent1">
+              <a:shade val="50000"/>
+            </a:schemeClr>
+          </a:lnRef>
+          <a:fillRef idx="1">
+            <a:schemeClr val="accent1"/>
+          </a:fillRef>
+          <a:effectRef idx="0">
+            <a:schemeClr val="accent1"/>
+          </a:effectRef>
+          <a:fontRef idx="minor">
+            <a:schemeClr val="lt1"/>
+          </a:fontRef>
+        </p:style>
+        <p:txBody>
+          <a:bodyPr rtlCol="0" anchor="ctr"/>
+          <a:lstStyle/>
+          <a:p>
+            <a:pPr algn="ctr"/>
+            <a:endParaRPr lang="en-US"/>
+          </a:p>
+        </p:txBody>
+      </p:sp>
+      <p:sp>
+        <p:nvSpPr>
+          <p:cNvPr id="4" name="Date Placeholder 3"/>
+          <p:cNvSpPr>
+            <a:spLocks noGrp="1"/>
+          </p:cNvSpPr>
+          <p:nvPr>
+            <p:ph type="dt" sz="half" idx="2"/>
+          </p:nvPr>
+        </p:nvSpPr>
+        <p:spPr>
+          <a:xfrm>
+            <a:off x="457200" y="18288"/>
+            <a:ext cx="2895600" cy="329184"/>
           </a:xfrm>
           <a:prstGeom prst="rect">
             <a:avLst/>
@@ -3242,9 +3893,7 @@
             <a:lvl1pPr algn="l">
               <a:defRPr sz="1200">
                 <a:solidFill>
-                  <a:schemeClr val="tx1">
-                    <a:tint val="75000"/>
-                  </a:schemeClr>
+                  <a:srgbClr val="FFFFFF"/>
                 </a:solidFill>
               </a:defRPr>
             </a:lvl1pPr>
@@ -3252,7 +3901,7 @@
           <a:p>
             <a:fld id="{4ECAEE1C-0E86-C848-A71E-BFD10A00B014}" type="datetimeFigureOut">
               <a:rPr lang="en-US" smtClean="0"/>
-              <a:t>5/28/12</a:t>
+              <a:t>5/30/12</a:t>
             </a:fld>
             <a:endParaRPr lang="en-US"/>
           </a:p>
@@ -3270,8 +3919,8 @@
         </p:nvSpPr>
         <p:spPr>
           <a:xfrm>
-            <a:off x="3124200" y="6356350"/>
-            <a:ext cx="2895600" cy="365125"/>
+            <a:off x="3429000" y="18288"/>
+            <a:ext cx="4114800" cy="329184"/>
           </a:xfrm>
           <a:prstGeom prst="rect">
             <a:avLst/>
@@ -3283,9 +3932,7 @@
             <a:lvl1pPr algn="ctr">
               <a:defRPr sz="1200">
                 <a:solidFill>
-                  <a:schemeClr val="tx1">
-                    <a:tint val="75000"/>
-                  </a:schemeClr>
+                  <a:srgbClr val="FFFFFF"/>
                 </a:solidFill>
               </a:defRPr>
             </a:lvl1pPr>
@@ -3307,8 +3954,8 @@
         </p:nvSpPr>
         <p:spPr>
           <a:xfrm>
-            <a:off x="6553200" y="6356350"/>
-            <a:ext cx="2133600" cy="365125"/>
+            <a:off x="7620000" y="18288"/>
+            <a:ext cx="1066800" cy="329184"/>
           </a:xfrm>
           <a:prstGeom prst="rect">
             <a:avLst/>
@@ -3317,12 +3964,10 @@
         <p:txBody>
           <a:bodyPr vert="horz" lIns="91440" tIns="45720" rIns="91440" bIns="45720" rtlCol="0" anchor="ctr"/>
           <a:lstStyle>
-            <a:lvl1pPr algn="r">
-              <a:defRPr sz="1200">
+            <a:lvl1pPr algn="l">
+              <a:defRPr sz="1400" b="1">
                 <a:solidFill>
-                  <a:schemeClr val="tx1">
-                    <a:tint val="75000"/>
-                  </a:schemeClr>
+                  <a:srgbClr val="FFFFFF"/>
                 </a:solidFill>
               </a:defRPr>
             </a:lvl1pPr>
@@ -3337,36 +3982,31 @@
         </p:txBody>
       </p:sp>
     </p:spTree>
-    <p:extLst>
-      <p:ext uri="{BB962C8B-B14F-4D97-AF65-F5344CB8AC3E}">
-        <p14:creationId xmlns:p14="http://schemas.microsoft.com/office/powerpoint/2010/main" val="1113768135"/>
-      </p:ext>
-    </p:extLst>
   </p:cSld>
   <p:clrMap bg1="lt1" tx1="dk1" bg2="lt2" tx2="dk2" accent1="accent1" accent2="accent2" accent3="accent3" accent4="accent4" accent5="accent5" accent6="accent6" hlink="hlink" folHlink="folHlink"/>
   <p:sldLayoutIdLst>
-    <p:sldLayoutId id="2147483649" r:id="rId1"/>
-    <p:sldLayoutId id="2147483650" r:id="rId2"/>
-    <p:sldLayoutId id="2147483651" r:id="rId3"/>
-    <p:sldLayoutId id="2147483652" r:id="rId4"/>
-    <p:sldLayoutId id="2147483653" r:id="rId5"/>
-    <p:sldLayoutId id="2147483654" r:id="rId6"/>
-    <p:sldLayoutId id="2147483655" r:id="rId7"/>
-    <p:sldLayoutId id="2147483656" r:id="rId8"/>
-    <p:sldLayoutId id="2147483657" r:id="rId9"/>
-    <p:sldLayoutId id="2147483658" r:id="rId10"/>
-    <p:sldLayoutId id="2147483659" r:id="rId11"/>
+    <p:sldLayoutId id="2147483864" r:id="rId1"/>
+    <p:sldLayoutId id="2147483865" r:id="rId2"/>
+    <p:sldLayoutId id="2147483866" r:id="rId3"/>
+    <p:sldLayoutId id="2147483867" r:id="rId4"/>
+    <p:sldLayoutId id="2147483868" r:id="rId5"/>
+    <p:sldLayoutId id="2147483869" r:id="rId6"/>
+    <p:sldLayoutId id="2147483870" r:id="rId7"/>
+    <p:sldLayoutId id="2147483871" r:id="rId8"/>
+    <p:sldLayoutId id="2147483872" r:id="rId9"/>
+    <p:sldLayoutId id="2147483873" r:id="rId10"/>
+    <p:sldLayoutId id="2147483874" r:id="rId11"/>
   </p:sldLayoutIdLst>
   <p:txStyles>
     <p:titleStyle>
-      <a:lvl1pPr algn="ctr" defTabSz="457200" rtl="0" eaLnBrk="1" latinLnBrk="0" hangingPunct="1">
+      <a:lvl1pPr algn="l" defTabSz="914400" rtl="0" eaLnBrk="1" latinLnBrk="0" hangingPunct="1">
         <a:spcBef>
           <a:spcPct val="0"/>
         </a:spcBef>
         <a:buNone/>
-        <a:defRPr sz="4400" kern="1200">
+        <a:defRPr sz="4000" kern="1200" spc="-100" baseline="0">
           <a:solidFill>
-            <a:schemeClr val="tx1"/>
+            <a:schemeClr val="tx2"/>
           </a:solidFill>
           <a:latin typeface="+mj-lt"/>
           <a:ea typeface="+mj-ea"/>
@@ -3375,41 +4015,15 @@
       </a:lvl1pPr>
     </p:titleStyle>
     <p:bodyStyle>
-      <a:lvl1pPr marL="342900" indent="-342900" algn="l" defTabSz="457200" rtl="0" eaLnBrk="1" latinLnBrk="0" hangingPunct="1">
+      <a:lvl1pPr marL="182880" indent="-182880" algn="l" defTabSz="914400" rtl="0" eaLnBrk="1" latinLnBrk="0" hangingPunct="1">
         <a:spcBef>
           <a:spcPct val="20000"/>
         </a:spcBef>
-        <a:buFont typeface="Arial"/>
-        <a:buChar char="•"/>
-        <a:defRPr sz="3200" kern="1200">
-          <a:solidFill>
-            <a:schemeClr val="tx1"/>
-          </a:solidFill>
-          <a:latin typeface="+mn-lt"/>
-          <a:ea typeface="+mn-ea"/>
-          <a:cs typeface="+mn-cs"/>
-        </a:defRPr>
-      </a:lvl1pPr>
-      <a:lvl2pPr marL="742950" indent="-285750" algn="l" defTabSz="457200" rtl="0" eaLnBrk="1" latinLnBrk="0" hangingPunct="1">
-        <a:spcBef>
-          <a:spcPct val="20000"/>
-        </a:spcBef>
-        <a:buFont typeface="Arial"/>
-        <a:buChar char="–"/>
-        <a:defRPr sz="2800" kern="1200">
-          <a:solidFill>
-            <a:schemeClr val="tx1"/>
-          </a:solidFill>
-          <a:latin typeface="+mn-lt"/>
-          <a:ea typeface="+mn-ea"/>
-          <a:cs typeface="+mn-cs"/>
-        </a:defRPr>
-      </a:lvl2pPr>
-      <a:lvl3pPr marL="1143000" indent="-228600" algn="l" defTabSz="457200" rtl="0" eaLnBrk="1" latinLnBrk="0" hangingPunct="1">
-        <a:spcBef>
-          <a:spcPct val="20000"/>
-        </a:spcBef>
-        <a:buFont typeface="Arial"/>
+        <a:buClr>
+          <a:schemeClr val="accent1"/>
+        </a:buClr>
+        <a:buSzPct val="85000"/>
+        <a:buFont typeface="Arial" pitchFamily="34" charset="0"/>
         <a:buChar char="•"/>
         <a:defRPr sz="2400" kern="1200">
           <a:solidFill>
@@ -3419,42 +4033,16 @@
           <a:ea typeface="+mn-ea"/>
           <a:cs typeface="+mn-cs"/>
         </a:defRPr>
-      </a:lvl3pPr>
-      <a:lvl4pPr marL="1600200" indent="-228600" algn="l" defTabSz="457200" rtl="0" eaLnBrk="1" latinLnBrk="0" hangingPunct="1">
+      </a:lvl1pPr>
+      <a:lvl2pPr marL="457200" indent="-182880" algn="l" defTabSz="914400" rtl="0" eaLnBrk="1" latinLnBrk="0" hangingPunct="1">
         <a:spcBef>
           <a:spcPct val="20000"/>
         </a:spcBef>
-        <a:buFont typeface="Arial"/>
-        <a:buChar char="–"/>
-        <a:defRPr sz="2000" kern="1200">
-          <a:solidFill>
-            <a:schemeClr val="tx1"/>
-          </a:solidFill>
-          <a:latin typeface="+mn-lt"/>
-          <a:ea typeface="+mn-ea"/>
-          <a:cs typeface="+mn-cs"/>
-        </a:defRPr>
-      </a:lvl4pPr>
-      <a:lvl5pPr marL="2057400" indent="-228600" algn="l" defTabSz="457200" rtl="0" eaLnBrk="1" latinLnBrk="0" hangingPunct="1">
-        <a:spcBef>
-          <a:spcPct val="20000"/>
-        </a:spcBef>
-        <a:buFont typeface="Arial"/>
-        <a:buChar char="»"/>
-        <a:defRPr sz="2000" kern="1200">
-          <a:solidFill>
-            <a:schemeClr val="tx1"/>
-          </a:solidFill>
-          <a:latin typeface="+mn-lt"/>
-          <a:ea typeface="+mn-ea"/>
-          <a:cs typeface="+mn-cs"/>
-        </a:defRPr>
-      </a:lvl5pPr>
-      <a:lvl6pPr marL="2514600" indent="-228600" algn="l" defTabSz="457200" rtl="0" eaLnBrk="1" latinLnBrk="0" hangingPunct="1">
-        <a:spcBef>
-          <a:spcPct val="20000"/>
-        </a:spcBef>
-        <a:buFont typeface="Arial"/>
+        <a:buClr>
+          <a:schemeClr val="accent1"/>
+        </a:buClr>
+        <a:buSzPct val="85000"/>
+        <a:buFont typeface="Arial" pitchFamily="34" charset="0"/>
         <a:buChar char="•"/>
         <a:defRPr sz="2000" kern="1200">
           <a:solidFill>
@@ -3464,14 +4052,91 @@
           <a:ea typeface="+mn-ea"/>
           <a:cs typeface="+mn-cs"/>
         </a:defRPr>
-      </a:lvl6pPr>
-      <a:lvl7pPr marL="2971800" indent="-228600" algn="l" defTabSz="457200" rtl="0" eaLnBrk="1" latinLnBrk="0" hangingPunct="1">
+      </a:lvl2pPr>
+      <a:lvl3pPr marL="731520" indent="-182880" algn="l" defTabSz="914400" rtl="0" eaLnBrk="1" latinLnBrk="0" hangingPunct="1">
         <a:spcBef>
           <a:spcPct val="20000"/>
         </a:spcBef>
-        <a:buFont typeface="Arial"/>
+        <a:buClr>
+          <a:schemeClr val="accent1"/>
+        </a:buClr>
+        <a:buSzPct val="90000"/>
+        <a:buFont typeface="Arial" pitchFamily="34" charset="0"/>
         <a:buChar char="•"/>
-        <a:defRPr sz="2000" kern="1200">
+        <a:defRPr sz="1800" kern="1200">
+          <a:solidFill>
+            <a:schemeClr val="tx1"/>
+          </a:solidFill>
+          <a:latin typeface="+mn-lt"/>
+          <a:ea typeface="+mn-ea"/>
+          <a:cs typeface="+mn-cs"/>
+        </a:defRPr>
+      </a:lvl3pPr>
+      <a:lvl4pPr marL="1005840" indent="-182880" algn="l" defTabSz="914400" rtl="0" eaLnBrk="1" latinLnBrk="0" hangingPunct="1">
+        <a:spcBef>
+          <a:spcPct val="20000"/>
+        </a:spcBef>
+        <a:buClr>
+          <a:schemeClr val="accent1"/>
+        </a:buClr>
+        <a:buFont typeface="Arial" pitchFamily="34" charset="0"/>
+        <a:buChar char="•"/>
+        <a:defRPr sz="1600" kern="1200">
+          <a:solidFill>
+            <a:schemeClr val="tx1"/>
+          </a:solidFill>
+          <a:latin typeface="+mn-lt"/>
+          <a:ea typeface="+mn-ea"/>
+          <a:cs typeface="+mn-cs"/>
+        </a:defRPr>
+      </a:lvl4pPr>
+      <a:lvl5pPr marL="1188720" indent="-137160" algn="l" defTabSz="914400" rtl="0" eaLnBrk="1" latinLnBrk="0" hangingPunct="1">
+        <a:spcBef>
+          <a:spcPct val="20000"/>
+        </a:spcBef>
+        <a:buClr>
+          <a:schemeClr val="accent1"/>
+        </a:buClr>
+        <a:buSzPct val="100000"/>
+        <a:buFont typeface="Arial" pitchFamily="34" charset="0"/>
+        <a:buChar char="•"/>
+        <a:defRPr sz="1400" kern="1200" baseline="0">
+          <a:solidFill>
+            <a:schemeClr val="tx1"/>
+          </a:solidFill>
+          <a:latin typeface="+mn-lt"/>
+          <a:ea typeface="+mn-ea"/>
+          <a:cs typeface="+mn-cs"/>
+        </a:defRPr>
+      </a:lvl5pPr>
+      <a:lvl6pPr marL="1371600" indent="-182880" algn="l" defTabSz="914400" rtl="0" eaLnBrk="1" latinLnBrk="0" hangingPunct="1">
+        <a:spcBef>
+          <a:spcPct val="20000"/>
+        </a:spcBef>
+        <a:buClr>
+          <a:schemeClr val="accent1"/>
+        </a:buClr>
+        <a:buFont typeface="Arial" pitchFamily="34" charset="0"/>
+        <a:buChar char="•"/>
+        <a:defRPr sz="1300" kern="1200">
+          <a:solidFill>
+            <a:schemeClr val="tx1"/>
+          </a:solidFill>
+          <a:latin typeface="+mn-lt"/>
+          <a:ea typeface="+mn-ea"/>
+          <a:cs typeface="+mn-cs"/>
+        </a:defRPr>
+      </a:lvl6pPr>
+      <a:lvl7pPr marL="1554480" indent="-182880" algn="l" defTabSz="914400" rtl="0" eaLnBrk="1" latinLnBrk="0" hangingPunct="1">
+        <a:spcBef>
+          <a:spcPct val="20000"/>
+        </a:spcBef>
+        <a:buClr>
+          <a:schemeClr val="accent1"/>
+        </a:buClr>
+        <a:buFont typeface="Arial" pitchFamily="34" charset="0"/>
+        <a:buChar char="•"/>
+        <a:defRPr sz="1300" kern="1200">
           <a:solidFill>
             <a:schemeClr val="tx1"/>
           </a:solidFill>
@@ -3480,13 +4145,16 @@
           <a:cs typeface="+mn-cs"/>
         </a:defRPr>
       </a:lvl7pPr>
-      <a:lvl8pPr marL="3429000" indent="-228600" algn="l" defTabSz="457200" rtl="0" eaLnBrk="1" latinLnBrk="0" hangingPunct="1">
+      <a:lvl8pPr marL="1737360" indent="-182880" algn="l" defTabSz="914400" rtl="0" eaLnBrk="1" latinLnBrk="0" hangingPunct="1">
         <a:spcBef>
           <a:spcPct val="20000"/>
         </a:spcBef>
-        <a:buFont typeface="Arial"/>
+        <a:buClr>
+          <a:schemeClr val="accent1"/>
+        </a:buClr>
+        <a:buFont typeface="Arial" pitchFamily="34" charset="0"/>
         <a:buChar char="•"/>
-        <a:defRPr sz="2000" kern="1200">
+        <a:defRPr sz="1300" kern="1200">
           <a:solidFill>
             <a:schemeClr val="tx1"/>
           </a:solidFill>
@@ -3495,13 +4163,16 @@
           <a:cs typeface="+mn-cs"/>
         </a:defRPr>
       </a:lvl8pPr>
-      <a:lvl9pPr marL="3886200" indent="-228600" algn="l" defTabSz="457200" rtl="0" eaLnBrk="1" latinLnBrk="0" hangingPunct="1">
+      <a:lvl9pPr marL="1920240" indent="-182880" algn="l" defTabSz="914400" rtl="0" eaLnBrk="1" latinLnBrk="0" hangingPunct="1">
         <a:spcBef>
           <a:spcPct val="20000"/>
         </a:spcBef>
-        <a:buFont typeface="Arial"/>
+        <a:buClr>
+          <a:schemeClr val="accent1"/>
+        </a:buClr>
+        <a:buFont typeface="Arial" pitchFamily="34" charset="0"/>
         <a:buChar char="•"/>
-        <a:defRPr sz="2000" kern="1200">
+        <a:defRPr sz="1300" kern="1200">
           <a:solidFill>
             <a:schemeClr val="tx1"/>
           </a:solidFill>
@@ -3515,7 +4186,7 @@
       <a:defPPr>
         <a:defRPr lang="en-US"/>
       </a:defPPr>
-      <a:lvl1pPr marL="0" algn="l" defTabSz="457200" rtl="0" eaLnBrk="1" latinLnBrk="0" hangingPunct="1">
+      <a:lvl1pPr marL="0" algn="l" defTabSz="914400" rtl="0" eaLnBrk="1" latinLnBrk="0" hangingPunct="1">
         <a:defRPr sz="1800" kern="1200">
           <a:solidFill>
             <a:schemeClr val="tx1"/>
@@ -3525,7 +4196,7 @@
           <a:cs typeface="+mn-cs"/>
         </a:defRPr>
       </a:lvl1pPr>
-      <a:lvl2pPr marL="457200" algn="l" defTabSz="457200" rtl="0" eaLnBrk="1" latinLnBrk="0" hangingPunct="1">
+      <a:lvl2pPr marL="457200" algn="l" defTabSz="914400" rtl="0" eaLnBrk="1" latinLnBrk="0" hangingPunct="1">
         <a:defRPr sz="1800" kern="1200">
           <a:solidFill>
             <a:schemeClr val="tx1"/>
@@ -3535,7 +4206,7 @@
           <a:cs typeface="+mn-cs"/>
         </a:defRPr>
       </a:lvl2pPr>
-      <a:lvl3pPr marL="914400" algn="l" defTabSz="457200" rtl="0" eaLnBrk="1" latinLnBrk="0" hangingPunct="1">
+      <a:lvl3pPr marL="914400" algn="l" defTabSz="914400" rtl="0" eaLnBrk="1" latinLnBrk="0" hangingPunct="1">
         <a:defRPr sz="1800" kern="1200">
           <a:solidFill>
             <a:schemeClr val="tx1"/>
@@ -3545,7 +4216,7 @@
           <a:cs typeface="+mn-cs"/>
         </a:defRPr>
       </a:lvl3pPr>
-      <a:lvl4pPr marL="1371600" algn="l" defTabSz="457200" rtl="0" eaLnBrk="1" latinLnBrk="0" hangingPunct="1">
+      <a:lvl4pPr marL="1371600" algn="l" defTabSz="914400" rtl="0" eaLnBrk="1" latinLnBrk="0" hangingPunct="1">
         <a:defRPr sz="1800" kern="1200">
           <a:solidFill>
             <a:schemeClr val="tx1"/>
@@ -3555,7 +4226,7 @@
           <a:cs typeface="+mn-cs"/>
         </a:defRPr>
       </a:lvl4pPr>
-      <a:lvl5pPr marL="1828800" algn="l" defTabSz="457200" rtl="0" eaLnBrk="1" latinLnBrk="0" hangingPunct="1">
+      <a:lvl5pPr marL="1828800" algn="l" defTabSz="914400" rtl="0" eaLnBrk="1" latinLnBrk="0" hangingPunct="1">
         <a:defRPr sz="1800" kern="1200">
           <a:solidFill>
             <a:schemeClr val="tx1"/>
@@ -3565,7 +4236,7 @@
           <a:cs typeface="+mn-cs"/>
         </a:defRPr>
       </a:lvl5pPr>
-      <a:lvl6pPr marL="2286000" algn="l" defTabSz="457200" rtl="0" eaLnBrk="1" latinLnBrk="0" hangingPunct="1">
+      <a:lvl6pPr marL="2286000" algn="l" defTabSz="914400" rtl="0" eaLnBrk="1" latinLnBrk="0" hangingPunct="1">
         <a:defRPr sz="1800" kern="1200">
           <a:solidFill>
             <a:schemeClr val="tx1"/>
@@ -3575,7 +4246,7 @@
           <a:cs typeface="+mn-cs"/>
         </a:defRPr>
       </a:lvl6pPr>
-      <a:lvl7pPr marL="2743200" algn="l" defTabSz="457200" rtl="0" eaLnBrk="1" latinLnBrk="0" hangingPunct="1">
+      <a:lvl7pPr marL="2743200" algn="l" defTabSz="914400" rtl="0" eaLnBrk="1" latinLnBrk="0" hangingPunct="1">
         <a:defRPr sz="1800" kern="1200">
           <a:solidFill>
             <a:schemeClr val="tx1"/>
@@ -3585,7 +4256,7 @@
           <a:cs typeface="+mn-cs"/>
         </a:defRPr>
       </a:lvl7pPr>
-      <a:lvl8pPr marL="3200400" algn="l" defTabSz="457200" rtl="0" eaLnBrk="1" latinLnBrk="0" hangingPunct="1">
+      <a:lvl8pPr marL="3200400" algn="l" defTabSz="914400" rtl="0" eaLnBrk="1" latinLnBrk="0" hangingPunct="1">
         <a:defRPr sz="1800" kern="1200">
           <a:solidFill>
             <a:schemeClr val="tx1"/>
@@ -3595,7 +4266,7 @@
           <a:cs typeface="+mn-cs"/>
         </a:defRPr>
       </a:lvl8pPr>
-      <a:lvl9pPr marL="3657600" algn="l" defTabSz="457200" rtl="0" eaLnBrk="1" latinLnBrk="0" hangingPunct="1">
+      <a:lvl9pPr marL="3657600" algn="l" defTabSz="914400" rtl="0" eaLnBrk="1" latinLnBrk="0" hangingPunct="1">
         <a:defRPr sz="1800" kern="1200">
           <a:solidFill>
             <a:schemeClr val="tx1"/>
@@ -3639,7 +4310,9 @@
         </p:nvSpPr>
         <p:spPr/>
         <p:txBody>
-          <a:bodyPr/>
+          <a:bodyPr>
+            <a:normAutofit fontScale="90000"/>
+          </a:bodyPr>
           <a:lstStyle/>
           <a:p>
             <a:r>
@@ -3655,11 +4328,7 @@
             </a:br>
             <a:r>
               <a:rPr lang="en-US" dirty="0" smtClean="0"/>
-              <a:t>Web </a:t>
-            </a:r>
-            <a:r>
-              <a:rPr lang="en-US" dirty="0" smtClean="0"/>
-              <a:t>Framework Project</a:t>
+              <a:t>Web Framework Project</a:t>
             </a:r>
             <a:endParaRPr lang="en-US" dirty="0"/>
           </a:p>
@@ -3697,11 +4366,7 @@
             </a:r>
             <a:r>
               <a:rPr lang="en-US" sz="1800" dirty="0" smtClean="0"/>
-              <a:t> Le, </a:t>
-            </a:r>
-            <a:r>
-              <a:rPr lang="en-US" sz="1800" dirty="0" smtClean="0"/>
-              <a:t>Rochelle Palting, and </a:t>
+              <a:t> Le, Rochelle Palting, and </a:t>
             </a:r>
             <a:r>
               <a:rPr lang="en-US" sz="1800" dirty="0" err="1" smtClean="0"/>
@@ -3715,11 +4380,7 @@
           <a:p>
             <a:r>
               <a:rPr lang="en-US" sz="1800" dirty="0" smtClean="0"/>
-              <a:t>CPSC </a:t>
-            </a:r>
-            <a:r>
-              <a:rPr lang="en-US" sz="1800" dirty="0" smtClean="0"/>
-              <a:t>593 – Web Application Development</a:t>
+              <a:t>CPSC 593 – Web Application Development</a:t>
             </a:r>
           </a:p>
           <a:p>
@@ -3785,7 +4446,7 @@
           <a:p>
             <a:r>
               <a:rPr lang="en-US" dirty="0" smtClean="0"/>
-              <a:t>Demo</a:t>
+              <a:t>Testing &amp; Analysis</a:t>
             </a:r>
             <a:endParaRPr lang="en-US" dirty="0"/>
           </a:p>
@@ -3806,27 +4467,73 @@
           <a:bodyPr/>
           <a:lstStyle/>
           <a:p>
-            <a:endParaRPr lang="en-US" dirty="0"/>
+            <a:r>
+              <a:rPr lang="en-US" dirty="0" smtClean="0"/>
+              <a:t>Functional testing with sample model, view, controller</a:t>
+            </a:r>
+          </a:p>
+          <a:p>
+            <a:r>
+              <a:rPr lang="en-US" dirty="0" smtClean="0"/>
+              <a:t>Analysis</a:t>
+            </a:r>
+          </a:p>
+          <a:p>
+            <a:pPr lvl="1"/>
+            <a:r>
+              <a:rPr lang="en-US" dirty="0" smtClean="0"/>
+              <a:t>Pros about our design, implementation</a:t>
+            </a:r>
+          </a:p>
+          <a:p>
+            <a:pPr lvl="2"/>
+            <a:r>
+              <a:rPr lang="en-US" dirty="0" smtClean="0"/>
+              <a:t>MVC support </a:t>
+            </a:r>
+            <a:r>
+              <a:rPr lang="en-US" dirty="0" smtClean="0">
+                <a:sym typeface="Wingdings"/>
+              </a:rPr>
+              <a:t> separation of concerns, code reuse</a:t>
+            </a:r>
+          </a:p>
+          <a:p>
+            <a:pPr lvl="2"/>
+            <a:r>
+              <a:rPr lang="en-US" dirty="0" smtClean="0">
+                <a:sym typeface="Wingdings"/>
+              </a:rPr>
+              <a:t>TODO</a:t>
+            </a:r>
+            <a:endParaRPr lang="en-US" dirty="0" smtClean="0"/>
+          </a:p>
+          <a:p>
+            <a:pPr lvl="1"/>
+            <a:r>
+              <a:rPr lang="en-US" dirty="0" smtClean="0"/>
+              <a:t>Cons about our design, implementation</a:t>
+            </a:r>
+          </a:p>
+          <a:p>
+            <a:pPr lvl="2"/>
+            <a:r>
+              <a:rPr lang="en-US" dirty="0" smtClean="0"/>
+              <a:t>TODO</a:t>
+            </a:r>
           </a:p>
         </p:txBody>
       </p:sp>
     </p:spTree>
     <p:extLst>
       <p:ext uri="{BB962C8B-B14F-4D97-AF65-F5344CB8AC3E}">
-        <p14:creationId xmlns:p14="http://schemas.microsoft.com/office/powerpoint/2010/main" val="1314953023"/>
+        <p14:creationId xmlns:p14="http://schemas.microsoft.com/office/powerpoint/2010/main" val="925730672"/>
       </p:ext>
     </p:extLst>
   </p:cSld>
   <p:clrMapOvr>
     <a:masterClrMapping/>
   </p:clrMapOvr>
-  <p:timing>
-    <p:tnLst>
-      <p:par>
-        <p:cTn xmlns:p14="http://schemas.microsoft.com/office/powerpoint/2010/main" id="1" dur="indefinite" restart="never" nodeType="tmRoot"/>
-      </p:par>
-    </p:tnLst>
-  </p:timing>
 </p:sld>
 </file>
 
@@ -3864,7 +4571,7 @@
           <a:p>
             <a:r>
               <a:rPr lang="en-US" dirty="0" smtClean="0"/>
-              <a:t>Technologies</a:t>
+              <a:t>Summary (1 of x)</a:t>
             </a:r>
             <a:endParaRPr lang="en-US" dirty="0"/>
           </a:p>
@@ -3883,17 +4590,20 @@
         <p:spPr/>
         <p:txBody>
           <a:bodyPr>
-            <a:normAutofit fontScale="92500" lnSpcReduction="10000"/>
+            <a:normAutofit/>
           </a:bodyPr>
           <a:lstStyle/>
           <a:p>
             <a:r>
               <a:rPr lang="en-US" dirty="0" smtClean="0"/>
-              <a:t>D</a:t>
-            </a:r>
-            <a:r>
-              <a:rPr lang="en-US" dirty="0" smtClean="0"/>
-              <a:t>evelopment environment:  </a:t>
+              <a:t>Technologies </a:t>
+            </a:r>
+          </a:p>
+          <a:p>
+            <a:pPr lvl="1"/>
+            <a:r>
+              <a:rPr lang="en-US" dirty="0" smtClean="0"/>
+              <a:t>Development environment:  </a:t>
             </a:r>
             <a:r>
               <a:rPr lang="en-US" dirty="0" err="1" smtClean="0"/>
@@ -3902,26 +4612,28 @@
             <a:endParaRPr lang="en-US" dirty="0" smtClean="0"/>
           </a:p>
           <a:p>
+            <a:pPr lvl="1"/>
             <a:r>
               <a:rPr lang="en-US" dirty="0" smtClean="0"/>
               <a:t>System:  JavaScript</a:t>
             </a:r>
           </a:p>
           <a:p>
+            <a:pPr lvl="1"/>
             <a:r>
               <a:rPr lang="en-US" dirty="0" smtClean="0"/>
               <a:t>Views: </a:t>
             </a:r>
           </a:p>
           <a:p>
-            <a:pPr lvl="1"/>
+            <a:pPr lvl="2"/>
             <a:r>
               <a:rPr lang="en-US" dirty="0" smtClean="0"/>
               <a:t>HTML</a:t>
             </a:r>
           </a:p>
           <a:p>
-            <a:pPr lvl="1"/>
+            <a:pPr lvl="2"/>
             <a:r>
               <a:rPr lang="en-US" dirty="0"/>
               <a:t>T</a:t>
@@ -3930,9 +4642,9 @@
               <a:rPr lang="en-US" dirty="0" smtClean="0"/>
               <a:t>emplating</a:t>
             </a:r>
-            <a:endParaRPr lang="en-US" dirty="0" smtClean="0"/>
-          </a:p>
-          <a:p>
+          </a:p>
+          <a:p>
+            <a:pPr lvl="1"/>
             <a:r>
               <a:rPr lang="en-US" dirty="0"/>
               <a:t>V</a:t>
@@ -3941,33 +4653,27 @@
               <a:rPr lang="en-US" dirty="0" smtClean="0"/>
               <a:t>ersion control:  Git</a:t>
             </a:r>
-            <a:endParaRPr lang="en-US" dirty="0" smtClean="0"/>
-          </a:p>
-          <a:p>
+          </a:p>
+          <a:p>
+            <a:pPr lvl="1"/>
             <a:r>
               <a:rPr lang="en-US" dirty="0" smtClean="0"/>
               <a:t>Patterns</a:t>
             </a:r>
-            <a:endParaRPr lang="en-US" dirty="0" smtClean="0"/>
-          </a:p>
-          <a:p>
-            <a:pPr lvl="1"/>
+          </a:p>
+          <a:p>
+            <a:pPr lvl="2"/>
             <a:r>
               <a:rPr lang="en-US" dirty="0" smtClean="0"/>
               <a:t>Functional inheritance</a:t>
             </a:r>
           </a:p>
           <a:p>
-            <a:pPr lvl="1"/>
-            <a:r>
-              <a:rPr lang="en-US" dirty="0" smtClean="0"/>
-              <a:t>Model-View-</a:t>
-            </a:r>
-            <a:r>
-              <a:rPr lang="en-US" dirty="0" smtClean="0"/>
-              <a:t>Controller</a:t>
-            </a:r>
-            <a:endParaRPr lang="en-US" dirty="0" smtClean="0"/>
+            <a:pPr lvl="2"/>
+            <a:r>
+              <a:rPr lang="en-US" dirty="0" smtClean="0"/>
+              <a:t>Model-View-Controller</a:t>
+            </a:r>
           </a:p>
         </p:txBody>
       </p:sp>
@@ -4025,7 +4731,7 @@
           <a:p>
             <a:r>
               <a:rPr lang="en-US" dirty="0" smtClean="0"/>
-              <a:t>Summary</a:t>
+              <a:t>Summary (2 of x)</a:t>
             </a:r>
             <a:endParaRPr lang="en-US" dirty="0"/>
           </a:p>
@@ -4080,7 +4786,7 @@
           <a:p>
             <a:pPr lvl="1"/>
             <a:r>
-              <a:rPr lang="en-US" smtClean="0"/>
+              <a:rPr lang="en-US" dirty="0" smtClean="0"/>
               <a:t>TODO</a:t>
             </a:r>
             <a:endParaRPr lang="en-US" dirty="0"/>
@@ -4091,6 +4797,195 @@
     <p:extLst>
       <p:ext uri="{BB962C8B-B14F-4D97-AF65-F5344CB8AC3E}">
         <p14:creationId xmlns:p14="http://schemas.microsoft.com/office/powerpoint/2010/main" val="2834136511"/>
+      </p:ext>
+    </p:extLst>
+  </p:cSld>
+  <p:clrMapOvr>
+    <a:masterClrMapping/>
+  </p:clrMapOvr>
+  <p:timing>
+    <p:tnLst>
+      <p:par>
+        <p:cTn xmlns:p14="http://schemas.microsoft.com/office/powerpoint/2010/main" id="1" dur="indefinite" restart="never" nodeType="tmRoot"/>
+      </p:par>
+    </p:tnLst>
+  </p:timing>
+</p:sld>
+</file>
+
+<file path=ppt/slides/slide13.xml><?xml version="1.0" encoding="utf-8"?>
+<p:sld xmlns:a="http://schemas.openxmlformats.org/drawingml/2006/main" xmlns:r="http://schemas.openxmlformats.org/officeDocument/2006/relationships" xmlns:p="http://schemas.openxmlformats.org/presentationml/2006/main">
+  <p:cSld>
+    <p:spTree>
+      <p:nvGrpSpPr>
+        <p:cNvPr id="1" name=""/>
+        <p:cNvGrpSpPr/>
+        <p:nvPr/>
+      </p:nvGrpSpPr>
+      <p:grpSpPr>
+        <a:xfrm>
+          <a:off x="0" y="0"/>
+          <a:ext cx="0" cy="0"/>
+          <a:chOff x="0" y="0"/>
+          <a:chExt cx="0" cy="0"/>
+        </a:xfrm>
+      </p:grpSpPr>
+      <p:sp>
+        <p:nvSpPr>
+          <p:cNvPr id="3" name="Content Placeholder 2"/>
+          <p:cNvSpPr>
+            <a:spLocks noGrp="1"/>
+          </p:cNvSpPr>
+          <p:nvPr>
+            <p:ph idx="1"/>
+          </p:nvPr>
+        </p:nvSpPr>
+        <p:spPr/>
+        <p:txBody>
+          <a:bodyPr>
+            <a:normAutofit/>
+          </a:bodyPr>
+          <a:lstStyle/>
+          <a:p>
+            <a:pPr marL="0" indent="0" algn="ctr">
+              <a:buNone/>
+            </a:pPr>
+            <a:r>
+              <a:rPr lang="en-US" sz="4500" dirty="0" smtClean="0"/>
+              <a:t>Backup Slides Beyond this Point</a:t>
+            </a:r>
+            <a:endParaRPr lang="en-US" sz="4500" dirty="0"/>
+          </a:p>
+        </p:txBody>
+      </p:sp>
+    </p:spTree>
+    <p:extLst>
+      <p:ext uri="{BB962C8B-B14F-4D97-AF65-F5344CB8AC3E}">
+        <p14:creationId xmlns:p14="http://schemas.microsoft.com/office/powerpoint/2010/main" val="2921318700"/>
+      </p:ext>
+    </p:extLst>
+  </p:cSld>
+  <p:clrMapOvr>
+    <a:masterClrMapping/>
+  </p:clrMapOvr>
+</p:sld>
+</file>
+
+<file path=ppt/slides/slide14.xml><?xml version="1.0" encoding="utf-8"?>
+<p:sld xmlns:a="http://schemas.openxmlformats.org/drawingml/2006/main" xmlns:r="http://schemas.openxmlformats.org/officeDocument/2006/relationships" xmlns:p="http://schemas.openxmlformats.org/presentationml/2006/main">
+  <p:cSld>
+    <p:spTree>
+      <p:nvGrpSpPr>
+        <p:cNvPr id="1" name=""/>
+        <p:cNvGrpSpPr/>
+        <p:nvPr/>
+      </p:nvGrpSpPr>
+      <p:grpSpPr>
+        <a:xfrm>
+          <a:off x="0" y="0"/>
+          <a:ext cx="0" cy="0"/>
+          <a:chOff x="0" y="0"/>
+          <a:chExt cx="0" cy="0"/>
+        </a:xfrm>
+      </p:grpSpPr>
+      <p:sp>
+        <p:nvSpPr>
+          <p:cNvPr id="2" name="Title 1"/>
+          <p:cNvSpPr>
+            <a:spLocks noGrp="1"/>
+          </p:cNvSpPr>
+          <p:nvPr>
+            <p:ph type="title"/>
+          </p:nvPr>
+        </p:nvSpPr>
+        <p:spPr/>
+        <p:txBody>
+          <a:bodyPr/>
+          <a:lstStyle/>
+          <a:p>
+            <a:r>
+              <a:rPr lang="en-US" dirty="0" smtClean="0"/>
+              <a:t>Functional Components</a:t>
+            </a:r>
+            <a:endParaRPr lang="en-US" dirty="0"/>
+          </a:p>
+        </p:txBody>
+      </p:sp>
+      <p:sp>
+        <p:nvSpPr>
+          <p:cNvPr id="3" name="Content Placeholder 2"/>
+          <p:cNvSpPr>
+            <a:spLocks noGrp="1"/>
+          </p:cNvSpPr>
+          <p:nvPr>
+            <p:ph idx="1"/>
+          </p:nvPr>
+        </p:nvSpPr>
+        <p:spPr/>
+        <p:txBody>
+          <a:bodyPr>
+            <a:normAutofit/>
+          </a:bodyPr>
+          <a:lstStyle/>
+          <a:p>
+            <a:r>
+              <a:rPr lang="en-US" dirty="0" smtClean="0"/>
+              <a:t>Server – receives/sends HTTP requests/responses between user interface (web browser or command line)</a:t>
+            </a:r>
+          </a:p>
+          <a:p>
+            <a:r>
+              <a:rPr lang="en-US" dirty="0" smtClean="0"/>
+              <a:t>Router – sends request to appropriate controller</a:t>
+            </a:r>
+          </a:p>
+          <a:p>
+            <a:r>
+              <a:rPr lang="en-US" dirty="0" smtClean="0"/>
+              <a:t>Controller</a:t>
+            </a:r>
+          </a:p>
+          <a:p>
+            <a:r>
+              <a:rPr lang="en-US" dirty="0" smtClean="0"/>
+              <a:t>Template - </a:t>
+            </a:r>
+          </a:p>
+          <a:p>
+            <a:r>
+              <a:rPr lang="en-US" dirty="0" smtClean="0"/>
+              <a:t>Model – contains base model that user model implements</a:t>
+            </a:r>
+          </a:p>
+          <a:p>
+            <a:r>
+              <a:rPr lang="en-US" dirty="0" smtClean="0"/>
+              <a:t>Logging – </a:t>
+            </a:r>
+            <a:r>
+              <a:rPr lang="en-US" dirty="0" err="1" smtClean="0"/>
+              <a:t>console.log</a:t>
+            </a:r>
+            <a:r>
+              <a:rPr lang="en-US" dirty="0" smtClean="0"/>
+              <a:t>(…) and Common Log Format</a:t>
+            </a:r>
+          </a:p>
+          <a:p>
+            <a:endParaRPr lang="en-US" dirty="0" smtClean="0"/>
+          </a:p>
+          <a:p>
+            <a:endParaRPr lang="en-US" dirty="0" smtClean="0"/>
+          </a:p>
+          <a:p>
+            <a:endParaRPr lang="en-US" dirty="0"/>
+          </a:p>
+        </p:txBody>
+      </p:sp>
+    </p:spTree>
+    <p:extLst>
+      <p:ext uri="{BB962C8B-B14F-4D97-AF65-F5344CB8AC3E}">
+        <p14:creationId xmlns:p14="http://schemas.microsoft.com/office/powerpoint/2010/main" val="3498265653"/>
       </p:ext>
     </p:extLst>
   </p:cSld>
@@ -4152,48 +5047,104 @@
         </p:nvSpPr>
         <p:spPr/>
         <p:txBody>
-          <a:bodyPr/>
-          <a:lstStyle/>
-          <a:p>
-            <a:r>
-              <a:rPr lang="en-US" dirty="0" smtClean="0"/>
-              <a:t>Requirements</a:t>
-            </a:r>
-          </a:p>
-          <a:p>
-            <a:r>
-              <a:rPr lang="en-US" dirty="0" smtClean="0"/>
-              <a:t>System </a:t>
-            </a:r>
-            <a:r>
-              <a:rPr lang="en-US" dirty="0" smtClean="0"/>
-              <a:t>architecture &amp; design</a:t>
+          <a:bodyPr>
+            <a:normAutofit/>
+          </a:bodyPr>
+          <a:lstStyle/>
+          <a:p>
+            <a:r>
+              <a:rPr lang="en-US" dirty="0" smtClean="0"/>
+              <a:t>Requirements					</a:t>
+            </a:r>
+            <a:r>
+              <a:rPr lang="en-US" dirty="0" smtClean="0"/>
+              <a:t>  1 </a:t>
+            </a:r>
+            <a:r>
+              <a:rPr lang="en-US" dirty="0" smtClean="0"/>
+              <a:t>min</a:t>
+            </a:r>
+          </a:p>
+          <a:p>
+            <a:r>
+              <a:rPr lang="en-US" dirty="0" smtClean="0"/>
+              <a:t>System architecture &amp; design		</a:t>
+            </a:r>
+            <a:r>
+              <a:rPr lang="en-US" dirty="0" smtClean="0"/>
+              <a:t>	  3 </a:t>
+            </a:r>
+            <a:r>
+              <a:rPr lang="en-US" dirty="0" smtClean="0"/>
+              <a:t>min</a:t>
+            </a:r>
+          </a:p>
+          <a:p>
+            <a:r>
+              <a:rPr lang="en-US" dirty="0" smtClean="0"/>
+              <a:t>Demo						</a:t>
+            </a:r>
+            <a:r>
+              <a:rPr lang="en-US" dirty="0" smtClean="0"/>
+              <a:t>12 </a:t>
+            </a:r>
+            <a:r>
+              <a:rPr lang="en-US" dirty="0" smtClean="0"/>
+              <a:t>min</a:t>
+            </a:r>
+          </a:p>
+          <a:p>
+            <a:r>
+              <a:rPr lang="en-US" dirty="0" smtClean="0"/>
+              <a:t>Code Walkthrough					10 </a:t>
+            </a:r>
+            <a:r>
+              <a:rPr lang="en-US" dirty="0" smtClean="0"/>
+              <a:t>min</a:t>
+            </a:r>
+          </a:p>
+          <a:p>
+            <a:r>
+              <a:rPr lang="en-US" dirty="0" smtClean="0"/>
+              <a:t>Testing &amp; Analysis				</a:t>
+            </a:r>
+            <a:r>
+              <a:rPr lang="en-US" dirty="0"/>
+              <a:t>	</a:t>
+            </a:r>
+            <a:r>
+              <a:rPr lang="en-US" dirty="0" smtClean="0"/>
+              <a:t>  3 min</a:t>
             </a:r>
             <a:endParaRPr lang="en-US" dirty="0" smtClean="0"/>
           </a:p>
           <a:p>
             <a:r>
               <a:rPr lang="en-US" dirty="0" smtClean="0"/>
-              <a:t>Demo</a:t>
-            </a:r>
-            <a:endParaRPr lang="en-US" dirty="0" smtClean="0"/>
-          </a:p>
-          <a:p>
-            <a:r>
-              <a:rPr lang="en-US" dirty="0"/>
-              <a:t>Technologies </a:t>
-            </a:r>
-            <a:r>
-              <a:rPr lang="en-US" dirty="0" smtClean="0"/>
-              <a:t>Used</a:t>
-            </a:r>
-          </a:p>
-          <a:p>
-            <a:r>
-              <a:rPr lang="en-US" dirty="0" smtClean="0"/>
-              <a:t>Summary</a:t>
-            </a:r>
-            <a:endParaRPr lang="en-US" dirty="0" smtClean="0"/>
+              <a:t>Summary						</a:t>
+            </a:r>
+            <a:r>
+              <a:rPr lang="en-US" dirty="0" smtClean="0"/>
+              <a:t>  3 </a:t>
+            </a:r>
+            <a:r>
+              <a:rPr lang="en-US" dirty="0" smtClean="0"/>
+              <a:t>min</a:t>
+            </a:r>
+          </a:p>
+          <a:p>
+            <a:r>
+              <a:rPr lang="en-US" dirty="0" smtClean="0"/>
+              <a:t>Q&amp;A							</a:t>
+            </a:r>
+            <a:r>
+              <a:rPr lang="en-US" dirty="0" smtClean="0"/>
+              <a:t>  3 </a:t>
+            </a:r>
+            <a:r>
+              <a:rPr lang="en-US" dirty="0" smtClean="0"/>
+              <a:t>min</a:t>
+            </a:r>
           </a:p>
         </p:txBody>
       </p:sp>
@@ -4269,19 +5220,66 @@
         </p:nvSpPr>
         <p:spPr/>
         <p:txBody>
-          <a:bodyPr/>
-          <a:lstStyle/>
-          <a:p>
-            <a:r>
-              <a:rPr lang="en-US" dirty="0" smtClean="0"/>
-              <a:t>Develop web framework</a:t>
-            </a:r>
-          </a:p>
-          <a:p>
-            <a:r>
-              <a:rPr lang="en-US" dirty="0" smtClean="0"/>
-              <a:t>TODO – complete this</a:t>
-            </a:r>
+          <a:bodyPr>
+            <a:normAutofit/>
+          </a:bodyPr>
+          <a:lstStyle/>
+          <a:p>
+            <a:r>
+              <a:rPr lang="en-US" dirty="0" smtClean="0"/>
+              <a:t>Develop web </a:t>
+            </a:r>
+            <a:r>
+              <a:rPr lang="en-US" dirty="0" smtClean="0"/>
+              <a:t>framework with the minimum features:</a:t>
+            </a:r>
+            <a:endParaRPr lang="en-US" dirty="0" smtClean="0"/>
+          </a:p>
+          <a:p>
+            <a:pPr lvl="1"/>
+            <a:r>
+              <a:rPr lang="en-US" dirty="0" err="1" smtClean="0"/>
+              <a:t>Templating</a:t>
+            </a:r>
+            <a:endParaRPr lang="en-US" dirty="0" smtClean="0"/>
+          </a:p>
+          <a:p>
+            <a:pPr lvl="1"/>
+            <a:r>
+              <a:rPr lang="en-US" dirty="0" smtClean="0"/>
+              <a:t>Configurable request routing</a:t>
+            </a:r>
+          </a:p>
+          <a:p>
+            <a:pPr lvl="1"/>
+            <a:r>
+              <a:rPr lang="en-US" dirty="0" smtClean="0"/>
+              <a:t>Request/response handling</a:t>
+            </a:r>
+          </a:p>
+          <a:p>
+            <a:pPr lvl="1"/>
+            <a:r>
+              <a:rPr lang="en-US" dirty="0" smtClean="0"/>
+              <a:t>Logging</a:t>
+            </a:r>
+          </a:p>
+          <a:p>
+            <a:pPr lvl="1"/>
+            <a:r>
+              <a:rPr lang="en-US" dirty="0" smtClean="0"/>
+              <a:t>Support for Model View Controller</a:t>
+            </a:r>
+          </a:p>
+          <a:p>
+            <a:pPr lvl="1"/>
+            <a:r>
+              <a:rPr lang="en-US" dirty="0" smtClean="0"/>
+              <a:t>Reference application suite that demonstrates functionality</a:t>
+            </a:r>
+          </a:p>
+          <a:p>
+            <a:pPr lvl="1"/>
             <a:endParaRPr lang="en-US" dirty="0"/>
           </a:p>
         </p:txBody>
@@ -4364,11 +5362,15 @@
             </a:pPr>
             <a:r>
               <a:rPr lang="en-US" dirty="0" smtClean="0"/>
-              <a:t>Web application developer uses the web framework to develop web </a:t>
-            </a:r>
-            <a:r>
-              <a:rPr lang="en-US" dirty="0" smtClean="0"/>
-              <a:t>applications.</a:t>
+              <a:t>Software d</a:t>
+            </a:r>
+            <a:r>
+              <a:rPr lang="en-US" dirty="0" smtClean="0"/>
+              <a:t>eveloper </a:t>
+            </a:r>
+            <a:r>
+              <a:rPr lang="en-US" dirty="0" smtClean="0"/>
+              <a:t>uses the web framework to develop web applications.</a:t>
             </a:r>
             <a:endParaRPr lang="en-US" dirty="0"/>
           </a:p>
@@ -4669,8 +5671,8 @@
         </p:nvSpPr>
         <p:spPr>
           <a:xfrm>
-            <a:off x="3389922" y="4557197"/>
-            <a:ext cx="1778002" cy="410308"/>
+            <a:off x="3066114" y="4557197"/>
+            <a:ext cx="2101810" cy="410308"/>
           </a:xfrm>
           <a:prstGeom prst="rect">
             <a:avLst/>
@@ -4754,7 +5756,7 @@
         <p:spPr>
           <a:xfrm>
             <a:off x="7538915" y="3427350"/>
-            <a:ext cx="984739" cy="410308"/>
+            <a:ext cx="1147885" cy="410308"/>
           </a:xfrm>
           <a:prstGeom prst="rect">
             <a:avLst/>
@@ -4838,7 +5840,7 @@
         <p:spPr>
           <a:xfrm>
             <a:off x="5501052" y="4557197"/>
-            <a:ext cx="1397001" cy="410308"/>
+            <a:ext cx="1775250" cy="410308"/>
           </a:xfrm>
           <a:prstGeom prst="rect">
             <a:avLst/>
@@ -5032,8 +6034,8 @@
         </p:nvCxnSpPr>
         <p:spPr>
           <a:xfrm rot="16200000" flipH="1">
-            <a:off x="5752945" y="1149010"/>
-            <a:ext cx="945972" cy="3610708"/>
+            <a:off x="5793731" y="1108223"/>
+            <a:ext cx="945972" cy="3692281"/>
           </a:xfrm>
           <a:prstGeom prst="bentConnector3">
             <a:avLst>
@@ -5070,8 +6072,8 @@
         </p:nvCxnSpPr>
         <p:spPr>
           <a:xfrm rot="5400000">
-            <a:off x="4425640" y="3687915"/>
-            <a:ext cx="722566" cy="1015999"/>
+            <a:off x="4344688" y="3606963"/>
+            <a:ext cx="722566" cy="1177903"/>
           </a:xfrm>
           <a:prstGeom prst="bentConnector3">
             <a:avLst/>
@@ -5106,8 +6108,8 @@
         </p:nvCxnSpPr>
         <p:spPr>
           <a:xfrm rot="16200000" flipH="1">
-            <a:off x="5385954" y="3743598"/>
-            <a:ext cx="722566" cy="904631"/>
+            <a:off x="5480516" y="3649036"/>
+            <a:ext cx="722566" cy="1093755"/>
           </a:xfrm>
           <a:prstGeom prst="bentConnector3">
             <a:avLst/>
@@ -5173,103 +6175,63 @@
         </p:nvSpPr>
         <p:spPr/>
         <p:txBody>
-          <a:bodyPr/>
-          <a:lstStyle/>
-          <a:p>
-            <a:r>
-              <a:rPr lang="en-US" dirty="0" smtClean="0"/>
-              <a:t>Functional Components</a:t>
+          <a:bodyPr>
+            <a:normAutofit/>
+          </a:bodyPr>
+          <a:lstStyle/>
+          <a:p>
+            <a:r>
+              <a:rPr lang="en-US" dirty="0" smtClean="0"/>
+              <a:t>User Creates Web </a:t>
+            </a:r>
+            <a:r>
+              <a:rPr lang="en-US" dirty="0" smtClean="0"/>
+              <a:t>Application</a:t>
             </a:r>
             <a:endParaRPr lang="en-US" dirty="0"/>
           </a:p>
         </p:txBody>
       </p:sp>
-      <p:sp>
-        <p:nvSpPr>
-          <p:cNvPr id="3" name="Content Placeholder 2"/>
-          <p:cNvSpPr>
-            <a:spLocks noGrp="1"/>
-          </p:cNvSpPr>
-          <p:nvPr>
-            <p:ph idx="1"/>
-          </p:nvPr>
-        </p:nvSpPr>
-        <p:spPr/>
-        <p:txBody>
-          <a:bodyPr>
-            <a:normAutofit fontScale="92500" lnSpcReduction="20000"/>
-          </a:bodyPr>
-          <a:lstStyle/>
-          <a:p>
-            <a:r>
-              <a:rPr lang="en-US" dirty="0" smtClean="0"/>
-              <a:t>Server – receives/sends HTTP requests/responses between user interface (web browser or command line)</a:t>
-            </a:r>
-            <a:endParaRPr lang="en-US" dirty="0" smtClean="0"/>
-          </a:p>
-          <a:p>
-            <a:r>
-              <a:rPr lang="en-US" dirty="0" smtClean="0"/>
-              <a:t>Router – sends request to appropriate controller</a:t>
-            </a:r>
-            <a:endParaRPr lang="en-US" dirty="0" smtClean="0"/>
-          </a:p>
-          <a:p>
-            <a:r>
-              <a:rPr lang="en-US" dirty="0" smtClean="0"/>
-              <a:t>Controller</a:t>
-            </a:r>
-            <a:endParaRPr lang="en-US" dirty="0" smtClean="0"/>
-          </a:p>
-          <a:p>
-            <a:r>
-              <a:rPr lang="en-US" dirty="0" smtClean="0"/>
-              <a:t>Template - </a:t>
-            </a:r>
-            <a:endParaRPr lang="en-US" dirty="0" smtClean="0"/>
-          </a:p>
-          <a:p>
-            <a:r>
-              <a:rPr lang="en-US" dirty="0" smtClean="0"/>
-              <a:t>Model – contains base model that user model implements</a:t>
-            </a:r>
-          </a:p>
-          <a:p>
-            <a:r>
-              <a:rPr lang="en-US" dirty="0" smtClean="0"/>
-              <a:t>Logging – </a:t>
-            </a:r>
-            <a:r>
-              <a:rPr lang="en-US" dirty="0" err="1" smtClean="0"/>
-              <a:t>console.log</a:t>
-            </a:r>
-            <a:r>
-              <a:rPr lang="en-US" dirty="0" smtClean="0"/>
-              <a:t>(…) and Common Log Format</a:t>
-            </a:r>
-            <a:endParaRPr lang="en-US" dirty="0" smtClean="0"/>
-          </a:p>
-          <a:p>
-            <a:endParaRPr lang="en-US" dirty="0" smtClean="0"/>
-          </a:p>
-          <a:p>
-            <a:endParaRPr lang="en-US" dirty="0" smtClean="0"/>
-          </a:p>
-          <a:p>
-            <a:endParaRPr lang="en-US" dirty="0"/>
-          </a:p>
-        </p:txBody>
-      </p:sp>
+      <p:pic>
+        <p:nvPicPr>
+          <p:cNvPr id="3" name="Picture 2"/>
+          <p:cNvPicPr>
+            <a:picLocks noChangeAspect="1"/>
+          </p:cNvPicPr>
+          <p:nvPr/>
+        </p:nvPicPr>
+        <p:blipFill rotWithShape="1">
+          <a:blip r:embed="rId3"/>
+          <a:srcRect l="4783" r="1834" b="5698"/>
+          <a:stretch/>
+        </p:blipFill>
+        <p:spPr>
+          <a:xfrm>
+            <a:off x="1943075" y="1329964"/>
+            <a:ext cx="4750962" cy="5528036"/>
+          </a:xfrm>
+          <a:prstGeom prst="rect">
+            <a:avLst/>
+          </a:prstGeom>
+        </p:spPr>
+      </p:pic>
     </p:spTree>
     <p:extLst>
       <p:ext uri="{BB962C8B-B14F-4D97-AF65-F5344CB8AC3E}">
-        <p14:creationId xmlns:p14="http://schemas.microsoft.com/office/powerpoint/2010/main" val="3498265653"/>
+        <p14:creationId xmlns:p14="http://schemas.microsoft.com/office/powerpoint/2010/main" val="1986555879"/>
       </p:ext>
     </p:extLst>
   </p:cSld>
   <p:clrMapOvr>
     <a:masterClrMapping/>
   </p:clrMapOvr>
+  <p:timing>
+    <p:tnLst>
+      <p:par>
+        <p:cTn xmlns:p14="http://schemas.microsoft.com/office/powerpoint/2010/main" id="1" dur="indefinite" restart="never" nodeType="tmRoot"/>
+      </p:par>
+    </p:tnLst>
+  </p:timing>
 </p:sld>
 </file>
 
@@ -5302,22 +6264,16 @@
         </p:nvSpPr>
         <p:spPr/>
         <p:txBody>
-          <a:bodyPr>
-            <a:normAutofit fontScale="90000"/>
-          </a:bodyPr>
-          <a:lstStyle/>
-          <a:p>
-            <a:r>
-              <a:rPr lang="en-US" dirty="0" smtClean="0"/>
-              <a:t>User Creates Web Application</a:t>
-            </a:r>
-            <a:r>
-              <a:rPr lang="en-US" dirty="0" smtClean="0"/>
-              <a:t> </a:t>
-            </a:r>
-            <a:r>
-              <a:rPr lang="en-US" dirty="0" smtClean="0"/>
-              <a:t>Sequence Diagram</a:t>
+          <a:bodyPr/>
+          <a:lstStyle/>
+          <a:p>
+            <a:r>
+              <a:rPr lang="en-US" dirty="0" smtClean="0"/>
+              <a:t>User Starts </a:t>
+            </a:r>
+            <a:r>
+              <a:rPr lang="en-US" dirty="0" err="1" smtClean="0"/>
+              <a:t>NodeMVC</a:t>
             </a:r>
             <a:endParaRPr lang="en-US" dirty="0"/>
           </a:p>
@@ -5333,61 +6289,23 @@
         </p:nvPicPr>
         <p:blipFill rotWithShape="1">
           <a:blip r:embed="rId3"/>
-          <a:srcRect b="4090"/>
+          <a:srcRect b="5124"/>
           <a:stretch/>
         </p:blipFill>
         <p:spPr>
           <a:xfrm>
-            <a:off x="2279267" y="1667123"/>
-            <a:ext cx="4883494" cy="4808145"/>
+            <a:off x="1018224" y="1417638"/>
+            <a:ext cx="7176195" cy="4936362"/>
           </a:xfrm>
           <a:prstGeom prst="rect">
             <a:avLst/>
           </a:prstGeom>
         </p:spPr>
       </p:pic>
-      <p:sp>
-        <p:nvSpPr>
-          <p:cNvPr id="5" name="TextBox 4"/>
-          <p:cNvSpPr txBox="1"/>
-          <p:nvPr/>
-        </p:nvSpPr>
-        <p:spPr>
-          <a:xfrm>
-            <a:off x="82600" y="1417638"/>
-            <a:ext cx="3334946" cy="646331"/>
-          </a:xfrm>
-          <a:prstGeom prst="rect">
-            <a:avLst/>
-          </a:prstGeom>
-          <a:noFill/>
-        </p:spPr>
-        <p:txBody>
-          <a:bodyPr wrap="square" rtlCol="0">
-            <a:spAutoFit/>
-          </a:bodyPr>
-          <a:lstStyle/>
-          <a:p>
-            <a:r>
-              <a:rPr lang="en-US" dirty="0" smtClean="0">
-                <a:solidFill>
-                  <a:srgbClr val="FF0000"/>
-                </a:solidFill>
-              </a:rPr>
-              <a:t>TODO:  Need to update.  Add notes to notes section.</a:t>
-            </a:r>
-            <a:endParaRPr lang="en-US" dirty="0">
-              <a:solidFill>
-                <a:srgbClr val="FF0000"/>
-              </a:solidFill>
-            </a:endParaRPr>
-          </a:p>
-        </p:txBody>
-      </p:sp>
     </p:spTree>
     <p:extLst>
       <p:ext uri="{BB962C8B-B14F-4D97-AF65-F5344CB8AC3E}">
-        <p14:creationId xmlns:p14="http://schemas.microsoft.com/office/powerpoint/2010/main" val="1986555879"/>
+        <p14:creationId xmlns:p14="http://schemas.microsoft.com/office/powerpoint/2010/main" val="2940024212"/>
       </p:ext>
     </p:extLst>
   </p:cSld>
@@ -5433,12 +6351,18 @@
         </p:nvSpPr>
         <p:spPr/>
         <p:txBody>
-          <a:bodyPr/>
-          <a:lstStyle/>
-          <a:p>
-            <a:r>
-              <a:rPr lang="en-US" dirty="0" smtClean="0"/>
-              <a:t>Startup Sequence Diagram</a:t>
+          <a:bodyPr>
+            <a:normAutofit/>
+          </a:bodyPr>
+          <a:lstStyle/>
+          <a:p>
+            <a:r>
+              <a:rPr lang="en-US" dirty="0" err="1" smtClean="0"/>
+              <a:t>NodeMVC</a:t>
+            </a:r>
+            <a:r>
+              <a:rPr lang="en-US" dirty="0" smtClean="0"/>
+              <a:t> Handles Request</a:t>
             </a:r>
             <a:endParaRPr lang="en-US" dirty="0"/>
           </a:p>
@@ -5446,69 +6370,31 @@
       </p:sp>
       <p:pic>
         <p:nvPicPr>
-          <p:cNvPr id="5" name="Picture 4"/>
+          <p:cNvPr id="4" name="Picture 3"/>
           <p:cNvPicPr>
             <a:picLocks noChangeAspect="1"/>
           </p:cNvPicPr>
           <p:nvPr/>
         </p:nvPicPr>
         <p:blipFill rotWithShape="1">
-          <a:blip r:embed="rId3"/>
-          <a:srcRect l="4787" t="11691" r="1506" b="12190"/>
+          <a:blip r:embed="rId2"/>
+          <a:srcRect b="5578"/>
           <a:stretch/>
         </p:blipFill>
         <p:spPr>
           <a:xfrm>
-            <a:off x="457200" y="1791754"/>
-            <a:ext cx="8418573" cy="4400007"/>
+            <a:off x="0" y="1708568"/>
+            <a:ext cx="9144000" cy="4000949"/>
           </a:xfrm>
           <a:prstGeom prst="rect">
             <a:avLst/>
           </a:prstGeom>
         </p:spPr>
       </p:pic>
-      <p:sp>
-        <p:nvSpPr>
-          <p:cNvPr id="3" name="TextBox 2"/>
-          <p:cNvSpPr txBox="1"/>
-          <p:nvPr/>
-        </p:nvSpPr>
-        <p:spPr>
-          <a:xfrm>
-            <a:off x="216823" y="1269905"/>
-            <a:ext cx="3334946" cy="646331"/>
-          </a:xfrm>
-          <a:prstGeom prst="rect">
-            <a:avLst/>
-          </a:prstGeom>
-          <a:noFill/>
-        </p:spPr>
-        <p:txBody>
-          <a:bodyPr wrap="square" rtlCol="0">
-            <a:spAutoFit/>
-          </a:bodyPr>
-          <a:lstStyle/>
-          <a:p>
-            <a:r>
-              <a:rPr lang="en-US" dirty="0" smtClean="0">
-                <a:solidFill>
-                  <a:srgbClr val="FF0000"/>
-                </a:solidFill>
-              </a:rPr>
-              <a:t>TODO:  Need to update.  Add notes to notes section.</a:t>
-            </a:r>
-            <a:endParaRPr lang="en-US" dirty="0">
-              <a:solidFill>
-                <a:srgbClr val="FF0000"/>
-              </a:solidFill>
-            </a:endParaRPr>
-          </a:p>
-        </p:txBody>
-      </p:sp>
     </p:spTree>
     <p:extLst>
       <p:ext uri="{BB962C8B-B14F-4D97-AF65-F5344CB8AC3E}">
-        <p14:creationId xmlns:p14="http://schemas.microsoft.com/office/powerpoint/2010/main" val="2940024212"/>
+        <p14:creationId xmlns:p14="http://schemas.microsoft.com/office/powerpoint/2010/main" val="3774816067"/>
       </p:ext>
     </p:extLst>
   </p:cSld>
@@ -5554,50 +6440,44 @@
         </p:nvSpPr>
         <p:spPr/>
         <p:txBody>
-          <a:bodyPr>
-            <a:normAutofit fontScale="90000"/>
-          </a:bodyPr>
-          <a:lstStyle/>
-          <a:p>
-            <a:r>
-              <a:rPr lang="en-US" dirty="0" smtClean="0"/>
-              <a:t>Process Request </a:t>
-            </a:r>
-            <a:r>
-              <a:rPr lang="en-US" dirty="0" smtClean="0"/>
-              <a:t>Sequence Diagram</a:t>
+          <a:bodyPr/>
+          <a:lstStyle/>
+          <a:p>
+            <a:r>
+              <a:rPr lang="en-US" dirty="0" smtClean="0"/>
+              <a:t>Demo</a:t>
             </a:r>
             <a:endParaRPr lang="en-US" dirty="0"/>
           </a:p>
         </p:txBody>
       </p:sp>
-      <p:pic>
-        <p:nvPicPr>
-          <p:cNvPr id="3" name="Picture 2"/>
-          <p:cNvPicPr>
-            <a:picLocks noChangeAspect="1"/>
-          </p:cNvPicPr>
-          <p:nvPr/>
-        </p:nvPicPr>
-        <p:blipFill rotWithShape="1">
-          <a:blip r:embed="rId2"/>
-          <a:srcRect b="7163"/>
-          <a:stretch/>
-        </p:blipFill>
-        <p:spPr>
-          <a:xfrm>
-            <a:off x="212969" y="1705562"/>
-            <a:ext cx="8686800" cy="3765208"/>
-          </a:xfrm>
-          <a:prstGeom prst="rect">
-            <a:avLst/>
-          </a:prstGeom>
-        </p:spPr>
-      </p:pic>
+      <p:sp>
+        <p:nvSpPr>
+          <p:cNvPr id="3" name="Content Placeholder 2"/>
+          <p:cNvSpPr>
+            <a:spLocks noGrp="1"/>
+          </p:cNvSpPr>
+          <p:nvPr>
+            <p:ph idx="1"/>
+          </p:nvPr>
+        </p:nvSpPr>
+        <p:spPr/>
+        <p:txBody>
+          <a:bodyPr/>
+          <a:lstStyle/>
+          <a:p>
+            <a:r>
+              <a:rPr lang="en-US" dirty="0" smtClean="0"/>
+              <a:t>Web developer creates and tests project.</a:t>
+            </a:r>
+            <a:endParaRPr lang="en-US" dirty="0"/>
+          </a:p>
+        </p:txBody>
+      </p:sp>
     </p:spTree>
     <p:extLst>
       <p:ext uri="{BB962C8B-B14F-4D97-AF65-F5344CB8AC3E}">
-        <p14:creationId xmlns:p14="http://schemas.microsoft.com/office/powerpoint/2010/main" val="3774816067"/>
+        <p14:creationId xmlns:p14="http://schemas.microsoft.com/office/powerpoint/2010/main" val="1314953023"/>
       </p:ext>
     </p:extLst>
   </p:cSld>
@@ -5615,38 +6495,38 @@
 </file>
 
 <file path=ppt/theme/theme1.xml><?xml version="1.0" encoding="utf-8"?>
-<a:theme xmlns:a="http://schemas.openxmlformats.org/drawingml/2006/main" name="Office Theme">
+<a:theme xmlns:a="http://schemas.openxmlformats.org/drawingml/2006/main" name="Clarity">
   <a:themeElements>
-    <a:clrScheme name="Office">
+    <a:clrScheme name="Clarity">
       <a:dk1>
-        <a:sysClr val="windowText" lastClr="000000"/>
+        <a:srgbClr val="292934"/>
       </a:dk1>
       <a:lt1>
-        <a:sysClr val="window" lastClr="FFFFFF"/>
+        <a:srgbClr val="FFFFFF"/>
       </a:lt1>
       <a:dk2>
-        <a:srgbClr val="1F497D"/>
+        <a:srgbClr val="D2533C"/>
       </a:dk2>
       <a:lt2>
-        <a:srgbClr val="EEECE1"/>
+        <a:srgbClr val="F3F2DC"/>
       </a:lt2>
       <a:accent1>
-        <a:srgbClr val="4F81BD"/>
+        <a:srgbClr val="93A299"/>
       </a:accent1>
       <a:accent2>
-        <a:srgbClr val="C0504D"/>
+        <a:srgbClr val="AD8F67"/>
       </a:accent2>
       <a:accent3>
-        <a:srgbClr val="9BBB59"/>
+        <a:srgbClr val="726056"/>
       </a:accent3>
       <a:accent4>
-        <a:srgbClr val="8064A2"/>
+        <a:srgbClr val="4C5A6A"/>
       </a:accent4>
       <a:accent5>
-        <a:srgbClr val="4BACC6"/>
+        <a:srgbClr val="808DA0"/>
       </a:accent5>
       <a:accent6>
-        <a:srgbClr val="F79646"/>
+        <a:srgbClr val="79463D"/>
       </a:accent6>
       <a:hlink>
         <a:srgbClr val="0000FF"/>
@@ -5655,22 +6535,22 @@
         <a:srgbClr val="800080"/>
       </a:folHlink>
     </a:clrScheme>
-    <a:fontScheme name="Office">
+    <a:fontScheme name="Office Classic 2">
       <a:majorFont>
-        <a:latin typeface="Calibri"/>
+        <a:latin typeface="Arial"/>
         <a:ea typeface=""/>
         <a:cs typeface=""/>
         <a:font script="Jpan" typeface="ＭＳ Ｐゴシック"/>
-        <a:font script="Hang" typeface="맑은 고딕"/>
-        <a:font script="Hans" typeface="宋体"/>
-        <a:font script="Hant" typeface="新細明體"/>
-        <a:font script="Arab" typeface="Times New Roman"/>
-        <a:font script="Hebr" typeface="Times New Roman"/>
-        <a:font script="Thai" typeface="Angsana New"/>
+        <a:font script="Hang" typeface="돋움"/>
+        <a:font script="Hans" typeface="华文新魏"/>
+        <a:font script="Hant" typeface="微軟正黑體"/>
+        <a:font script="Arab" typeface="Arial"/>
+        <a:font script="Hebr" typeface="Arial"/>
+        <a:font script="Thai" typeface="Cordia New"/>
         <a:font script="Ethi" typeface="Nyala"/>
         <a:font script="Beng" typeface="Vrinda"/>
         <a:font script="Gujr" typeface="Shruti"/>
-        <a:font script="Khmr" typeface="MoolBoran"/>
+        <a:font script="Khmr" typeface="DaunPenh"/>
         <a:font script="Knda" typeface="Tunga"/>
         <a:font script="Guru" typeface="Raavi"/>
         <a:font script="Cans" typeface="Euphemia"/>
@@ -5687,18 +6567,18 @@
         <a:font script="Laoo" typeface="DokChampa"/>
         <a:font script="Sinh" typeface="Iskoola Pota"/>
         <a:font script="Mong" typeface="Mongolian Baiti"/>
-        <a:font script="Viet" typeface="Times New Roman"/>
+        <a:font script="Viet" typeface="Arial"/>
         <a:font script="Uigh" typeface="Microsoft Uighur"/>
         <a:font script="Geor" typeface="Sylfaen"/>
       </a:majorFont>
       <a:minorFont>
-        <a:latin typeface="Calibri"/>
+        <a:latin typeface="Arial"/>
         <a:ea typeface=""/>
         <a:cs typeface=""/>
         <a:font script="Jpan" typeface="ＭＳ Ｐゴシック"/>
-        <a:font script="Hang" typeface="맑은 고딕"/>
-        <a:font script="Hans" typeface="宋体"/>
-        <a:font script="Hant" typeface="新細明體"/>
+        <a:font script="Hang" typeface="돋움"/>
+        <a:font script="Hans" typeface="华文新魏"/>
+        <a:font script="Hant" typeface="微軟正黑體"/>
         <a:font script="Arab" typeface="Arial"/>
         <a:font script="Hebr" typeface="Arial"/>
         <a:font script="Thai" typeface="Cordia New"/>
@@ -5727,7 +6607,7 @@
         <a:font script="Geor" typeface="Sylfaen"/>
       </a:minorFont>
     </a:fontScheme>
-    <a:fmtScheme name="Office">
+    <a:fmtScheme name="Clarity">
       <a:fillStyleLst>
         <a:solidFill>
           <a:schemeClr val="phClr"/>
@@ -5737,61 +6617,75 @@
             <a:gs pos="0">
               <a:schemeClr val="phClr">
                 <a:tint val="50000"/>
-                <a:satMod val="300000"/>
+                <a:shade val="86000"/>
+                <a:satMod val="140000"/>
               </a:schemeClr>
             </a:gs>
-            <a:gs pos="35000">
+            <a:gs pos="45000">
               <a:schemeClr val="phClr">
-                <a:tint val="37000"/>
-                <a:satMod val="300000"/>
+                <a:tint val="48000"/>
+                <a:satMod val="150000"/>
               </a:schemeClr>
             </a:gs>
             <a:gs pos="100000">
               <a:schemeClr val="phClr">
-                <a:tint val="15000"/>
-                <a:satMod val="350000"/>
+                <a:tint val="28000"/>
+                <a:satMod val="160000"/>
               </a:schemeClr>
             </a:gs>
           </a:gsLst>
-          <a:lin ang="16200000" scaled="1"/>
+          <a:path path="circle">
+            <a:fillToRect l="100000" t="100000" r="100000" b="100000"/>
+          </a:path>
         </a:gradFill>
         <a:gradFill rotWithShape="1">
           <a:gsLst>
             <a:gs pos="0">
               <a:schemeClr val="phClr">
+                <a:shade val="70000"/>
+                <a:satMod val="150000"/>
+              </a:schemeClr>
+            </a:gs>
+            <a:gs pos="34000">
+              <a:schemeClr val="phClr">
+                <a:shade val="70000"/>
+                <a:satMod val="140000"/>
+              </a:schemeClr>
+            </a:gs>
+            <a:gs pos="70000">
+              <a:schemeClr val="phClr">
                 <a:tint val="100000"/>
-                <a:shade val="100000"/>
-                <a:satMod val="130000"/>
+                <a:shade val="90000"/>
+                <a:satMod val="140000"/>
               </a:schemeClr>
             </a:gs>
             <a:gs pos="100000">
               <a:schemeClr val="phClr">
-                <a:tint val="50000"/>
+                <a:tint val="100000"/>
                 <a:shade val="100000"/>
-                <a:satMod val="350000"/>
+                <a:satMod val="100000"/>
               </a:schemeClr>
             </a:gs>
           </a:gsLst>
-          <a:lin ang="16200000" scaled="0"/>
+          <a:path path="circle">
+            <a:fillToRect l="100000" t="100000" r="100000" b="100000"/>
+          </a:path>
         </a:gradFill>
       </a:fillStyleLst>
       <a:lnStyleLst>
         <a:ln w="9525" cap="flat" cmpd="sng" algn="ctr">
           <a:solidFill>
-            <a:schemeClr val="phClr">
-              <a:shade val="95000"/>
-              <a:satMod val="105000"/>
-            </a:schemeClr>
+            <a:schemeClr val="phClr"/>
           </a:solidFill>
           <a:prstDash val="solid"/>
         </a:ln>
-        <a:ln w="25400" cap="flat" cmpd="sng" algn="ctr">
+        <a:ln w="26425" cap="flat" cmpd="sng" algn="ctr">
           <a:solidFill>
             <a:schemeClr val="phClr"/>
           </a:solidFill>
           <a:prstDash val="solid"/>
         </a:ln>
-        <a:ln w="38100" cap="flat" cmpd="sng" algn="ctr">
+        <a:ln w="44450" cap="flat" cmpd="sng" algn="ctr">
           <a:solidFill>
             <a:schemeClr val="phClr"/>
           </a:solidFill>
@@ -5800,28 +6694,22 @@
       </a:lnStyleLst>
       <a:effectStyleLst>
         <a:effectStyle>
+          <a:effectLst/>
+        </a:effectStyle>
+        <a:effectStyle>
           <a:effectLst>
-            <a:outerShdw blurRad="40000" dist="20000" dir="5400000" rotWithShape="0">
+            <a:outerShdw blurRad="38100" dist="25400" dir="2700000" algn="br" rotWithShape="0">
               <a:srgbClr val="000000">
-                <a:alpha val="38000"/>
+                <a:alpha val="60000"/>
               </a:srgbClr>
             </a:outerShdw>
           </a:effectLst>
         </a:effectStyle>
         <a:effectStyle>
           <a:effectLst>
-            <a:outerShdw blurRad="40000" dist="23000" dir="5400000" rotWithShape="0">
+            <a:outerShdw blurRad="38100" dist="25400" dir="2700000" algn="br" rotWithShape="0">
               <a:srgbClr val="000000">
-                <a:alpha val="35000"/>
-              </a:srgbClr>
-            </a:outerShdw>
-          </a:effectLst>
-        </a:effectStyle>
-        <a:effectStyle>
-          <a:effectLst>
-            <a:outerShdw blurRad="40000" dist="23000" dir="5400000" rotWithShape="0">
-              <a:srgbClr val="000000">
-                <a:alpha val="35000"/>
+                <a:alpha val="60000"/>
               </a:srgbClr>
             </a:outerShdw>
           </a:effectLst>
@@ -5829,12 +6717,18 @@
             <a:camera prst="orthographicFront">
               <a:rot lat="0" lon="0" rev="0"/>
             </a:camera>
-            <a:lightRig rig="threePt" dir="t">
-              <a:rot lat="0" lon="0" rev="1200000"/>
+            <a:lightRig rig="balanced" dir="t">
+              <a:rot lat="0" lon="0" rev="5100000"/>
             </a:lightRig>
           </a:scene3d>
-          <a:sp3d>
-            <a:bevelT w="63500" h="25400"/>
+          <a:sp3d contourW="6350">
+            <a:bevelT w="29210" h="12700"/>
+            <a:contourClr>
+              <a:schemeClr val="phClr">
+                <a:shade val="30000"/>
+                <a:satMod val="130000"/>
+              </a:schemeClr>
+            </a:contourClr>
           </a:sp3d>
         </a:effectStyle>
       </a:effectStyleLst>
@@ -5846,90 +6740,44 @@
           <a:gsLst>
             <a:gs pos="0">
               <a:schemeClr val="phClr">
-                <a:tint val="40000"/>
-                <a:satMod val="350000"/>
+                <a:tint val="85000"/>
+                <a:satMod val="180000"/>
               </a:schemeClr>
             </a:gs>
             <a:gs pos="40000">
               <a:schemeClr val="phClr">
-                <a:tint val="45000"/>
-                <a:shade val="99000"/>
-                <a:satMod val="350000"/>
+                <a:tint val="95000"/>
+                <a:shade val="85000"/>
+                <a:satMod val="150000"/>
               </a:schemeClr>
             </a:gs>
             <a:gs pos="100000">
               <a:schemeClr val="phClr">
-                <a:shade val="20000"/>
-                <a:satMod val="255000"/>
-              </a:schemeClr>
-            </a:gs>
-          </a:gsLst>
-          <a:path path="circle">
-            <a:fillToRect l="50000" t="-80000" r="50000" b="180000"/>
-          </a:path>
-        </a:gradFill>
-        <a:gradFill rotWithShape="1">
-          <a:gsLst>
-            <a:gs pos="0">
-              <a:schemeClr val="phClr">
-                <a:tint val="80000"/>
-                <a:satMod val="300000"/>
-              </a:schemeClr>
-            </a:gs>
-            <a:gs pos="100000">
-              <a:schemeClr val="phClr">
-                <a:shade val="30000"/>
+                <a:shade val="45000"/>
                 <a:satMod val="200000"/>
               </a:schemeClr>
             </a:gs>
           </a:gsLst>
-          <a:path path="circle">
-            <a:fillToRect l="50000" t="50000" r="50000" b="50000"/>
-          </a:path>
+          <a:lin ang="5400000" scaled="0"/>
         </a:gradFill>
+        <a:blipFill rotWithShape="1">
+          <a:blip xmlns:r="http://schemas.openxmlformats.org/officeDocument/2006/relationships" r:embed="rId1">
+            <a:duotone>
+              <a:schemeClr val="phClr">
+                <a:shade val="55000"/>
+              </a:schemeClr>
+              <a:schemeClr val="phClr">
+                <a:tint val="97000"/>
+                <a:satMod val="95000"/>
+              </a:schemeClr>
+            </a:duotone>
+          </a:blip>
+          <a:tile tx="0" ty="0" sx="70000" sy="70000" flip="none" algn="tl"/>
+        </a:blipFill>
       </a:bgFillStyleLst>
     </a:fmtScheme>
   </a:themeElements>
-  <a:objectDefaults>
-    <a:spDef>
-      <a:spPr/>
-      <a:bodyPr/>
-      <a:lstStyle/>
-      <a:style>
-        <a:lnRef idx="1">
-          <a:schemeClr val="accent1"/>
-        </a:lnRef>
-        <a:fillRef idx="3">
-          <a:schemeClr val="accent1"/>
-        </a:fillRef>
-        <a:effectRef idx="2">
-          <a:schemeClr val="accent1"/>
-        </a:effectRef>
-        <a:fontRef idx="minor">
-          <a:schemeClr val="lt1"/>
-        </a:fontRef>
-      </a:style>
-    </a:spDef>
-    <a:lnDef>
-      <a:spPr/>
-      <a:bodyPr/>
-      <a:lstStyle/>
-      <a:style>
-        <a:lnRef idx="2">
-          <a:schemeClr val="accent1"/>
-        </a:lnRef>
-        <a:fillRef idx="0">
-          <a:schemeClr val="accent1"/>
-        </a:fillRef>
-        <a:effectRef idx="1">
-          <a:schemeClr val="accent1"/>
-        </a:effectRef>
-        <a:fontRef idx="minor">
-          <a:schemeClr val="tx1"/>
-        </a:fontRef>
-      </a:style>
-    </a:lnDef>
-  </a:objectDefaults>
+  <a:objectDefaults/>
   <a:extraClrSchemeLst/>
 </a:theme>
 </file>

--- a/Documents/nodeMvcPresentation.pptx
+++ b/Documents/nodeMvcPresentation.pptx
@@ -205,7 +205,7 @@
           <a:p>
             <a:fld id="{C9276BDF-5B0D-194B-A506-689483748893}" type="datetimeFigureOut">
               <a:rPr lang="en-US" smtClean="0"/>
-              <a:t>5/30/12</a:t>
+              <a:t>5/31/12</a:t>
             </a:fld>
             <a:endParaRPr lang="en-US"/>
           </a:p>
@@ -1214,7 +1214,7 @@
           <a:p>
             <a:fld id="{4ECAEE1C-0E86-C848-A71E-BFD10A00B014}" type="datetimeFigureOut">
               <a:rPr lang="en-US" smtClean="0"/>
-              <a:t>5/30/12</a:t>
+              <a:t>5/31/12</a:t>
             </a:fld>
             <a:endParaRPr lang="en-US"/>
           </a:p>
@@ -1414,7 +1414,7 @@
           <a:p>
             <a:fld id="{4ECAEE1C-0E86-C848-A71E-BFD10A00B014}" type="datetimeFigureOut">
               <a:rPr lang="en-US" smtClean="0"/>
-              <a:t>5/30/12</a:t>
+              <a:t>5/31/12</a:t>
             </a:fld>
             <a:endParaRPr lang="en-US"/>
           </a:p>
@@ -1589,7 +1589,7 @@
           <a:p>
             <a:fld id="{4ECAEE1C-0E86-C848-A71E-BFD10A00B014}" type="datetimeFigureOut">
               <a:rPr lang="en-US" smtClean="0"/>
-              <a:t>5/30/12</a:t>
+              <a:t>5/31/12</a:t>
             </a:fld>
             <a:endParaRPr lang="en-US"/>
           </a:p>
@@ -1754,7 +1754,7 @@
           <a:p>
             <a:fld id="{4ECAEE1C-0E86-C848-A71E-BFD10A00B014}" type="datetimeFigureOut">
               <a:rPr lang="en-US" smtClean="0"/>
-              <a:t>5/30/12</a:t>
+              <a:t>5/31/12</a:t>
             </a:fld>
             <a:endParaRPr lang="en-US"/>
           </a:p>
@@ -2002,7 +2002,7 @@
           <a:p>
             <a:fld id="{4ECAEE1C-0E86-C848-A71E-BFD10A00B014}" type="datetimeFigureOut">
               <a:rPr lang="en-US" smtClean="0"/>
-              <a:t>5/30/12</a:t>
+              <a:t>5/31/12</a:t>
             </a:fld>
             <a:endParaRPr lang="en-US"/>
           </a:p>
@@ -2320,7 +2320,7 @@
           <a:p>
             <a:fld id="{4ECAEE1C-0E86-C848-A71E-BFD10A00B014}" type="datetimeFigureOut">
               <a:rPr lang="en-US" smtClean="0"/>
-              <a:t>5/30/12</a:t>
+              <a:t>5/31/12</a:t>
             </a:fld>
             <a:endParaRPr lang="en-US"/>
           </a:p>
@@ -2786,7 +2786,7 @@
           <a:p>
             <a:fld id="{4ECAEE1C-0E86-C848-A71E-BFD10A00B014}" type="datetimeFigureOut">
               <a:rPr lang="en-US" smtClean="0"/>
-              <a:t>5/30/12</a:t>
+              <a:t>5/31/12</a:t>
             </a:fld>
             <a:endParaRPr lang="en-US"/>
           </a:p>
@@ -2934,7 +2934,7 @@
           <a:p>
             <a:fld id="{4ECAEE1C-0E86-C848-A71E-BFD10A00B014}" type="datetimeFigureOut">
               <a:rPr lang="en-US" smtClean="0"/>
-              <a:t>5/30/12</a:t>
+              <a:t>5/31/12</a:t>
             </a:fld>
             <a:endParaRPr lang="en-US"/>
           </a:p>
@@ -3024,7 +3024,7 @@
           <a:p>
             <a:fld id="{4ECAEE1C-0E86-C848-A71E-BFD10A00B014}" type="datetimeFigureOut">
               <a:rPr lang="en-US" smtClean="0"/>
-              <a:t>5/30/12</a:t>
+              <a:t>5/31/12</a:t>
             </a:fld>
             <a:endParaRPr lang="en-US"/>
           </a:p>
@@ -3298,7 +3298,7 @@
           <a:p>
             <a:fld id="{4ECAEE1C-0E86-C848-A71E-BFD10A00B014}" type="datetimeFigureOut">
               <a:rPr lang="en-US" smtClean="0"/>
-              <a:t>5/30/12</a:t>
+              <a:t>5/31/12</a:t>
             </a:fld>
             <a:endParaRPr lang="en-US"/>
           </a:p>
@@ -3603,7 +3603,7 @@
           <a:p>
             <a:fld id="{4ECAEE1C-0E86-C848-A71E-BFD10A00B014}" type="datetimeFigureOut">
               <a:rPr lang="en-US" smtClean="0"/>
-              <a:t>5/30/12</a:t>
+              <a:t>5/31/12</a:t>
             </a:fld>
             <a:endParaRPr lang="en-US"/>
           </a:p>
@@ -3901,7 +3901,7 @@
           <a:p>
             <a:fld id="{4ECAEE1C-0E86-C848-A71E-BFD10A00B014}" type="datetimeFigureOut">
               <a:rPr lang="en-US" smtClean="0"/>
-              <a:t>5/30/12</a:t>
+              <a:t>5/31/12</a:t>
             </a:fld>
             <a:endParaRPr lang="en-US"/>
           </a:p>
@@ -4469,6 +4469,12 @@
           <a:p>
             <a:r>
               <a:rPr lang="en-US" dirty="0" smtClean="0"/>
+              <a:t>Components were tested individually while being developed, and then integration tested with entire system.</a:t>
+            </a:r>
+          </a:p>
+          <a:p>
+            <a:r>
+              <a:rPr lang="en-US" dirty="0" smtClean="0"/>
               <a:t>Functional testing with sample model, view, controller</a:t>
             </a:r>
           </a:p>
@@ -4500,12 +4506,6 @@
           </a:p>
           <a:p>
             <a:pPr lvl="2"/>
-            <a:r>
-              <a:rPr lang="en-US" dirty="0" smtClean="0">
-                <a:sym typeface="Wingdings"/>
-              </a:rPr>
-              <a:t>TODO</a:t>
-            </a:r>
             <a:endParaRPr lang="en-US" dirty="0" smtClean="0"/>
           </a:p>
           <a:p>
@@ -4519,8 +4519,20 @@
             <a:pPr lvl="2"/>
             <a:r>
               <a:rPr lang="en-US" dirty="0" smtClean="0"/>
-              <a:t>TODO</a:t>
-            </a:r>
+              <a:t>Basic </a:t>
+            </a:r>
+            <a:r>
+              <a:rPr lang="en-US" dirty="0" smtClean="0"/>
+              <a:t>functionality</a:t>
+            </a:r>
+          </a:p>
+          <a:p>
+            <a:pPr lvl="2"/>
+            <a:r>
+              <a:rPr lang="en-US" dirty="0" smtClean="0"/>
+              <a:t>Usability</a:t>
+            </a:r>
+            <a:endParaRPr lang="en-US" dirty="0" smtClean="0"/>
           </a:p>
         </p:txBody>
       </p:sp>
@@ -4571,7 +4583,7 @@
           <a:p>
             <a:r>
               <a:rPr lang="en-US" dirty="0" smtClean="0"/>
-              <a:t>Summary (1 of x)</a:t>
+              <a:t>Summary (1 of 2)</a:t>
             </a:r>
             <a:endParaRPr lang="en-US" dirty="0"/>
           </a:p>
@@ -4651,8 +4663,13 @@
             </a:r>
             <a:r>
               <a:rPr lang="en-US" dirty="0" smtClean="0"/>
-              <a:t>ersion control:  Git</a:t>
-            </a:r>
+              <a:t>ersion control:  </a:t>
+            </a:r>
+            <a:r>
+              <a:rPr lang="en-US" dirty="0" err="1" smtClean="0"/>
+              <a:t>Git</a:t>
+            </a:r>
+            <a:endParaRPr lang="en-US" dirty="0" smtClean="0"/>
           </a:p>
           <a:p>
             <a:pPr lvl="1"/>
@@ -4731,7 +4748,7 @@
           <a:p>
             <a:r>
               <a:rPr lang="en-US" dirty="0" smtClean="0"/>
-              <a:t>Summary (2 of x)</a:t>
+              <a:t>Summary (2 of 2)</a:t>
             </a:r>
             <a:endParaRPr lang="en-US" dirty="0"/>
           </a:p>
@@ -4761,7 +4778,7 @@
             <a:pPr lvl="1"/>
             <a:r>
               <a:rPr lang="en-US" dirty="0" smtClean="0"/>
-              <a:t>TODO</a:t>
+              <a:t>Very helpful to look at existing web application frameworks for ideas</a:t>
             </a:r>
           </a:p>
           <a:p>
@@ -4772,10 +4789,7 @@
           </a:p>
           <a:p>
             <a:pPr lvl="1"/>
-            <a:r>
-              <a:rPr lang="en-US" dirty="0" smtClean="0"/>
-              <a:t>TODO</a:t>
-            </a:r>
+            <a:endParaRPr lang="en-US" dirty="0" smtClean="0"/>
           </a:p>
           <a:p>
             <a:r>
@@ -4787,7 +4801,25 @@
             <a:pPr lvl="1"/>
             <a:r>
               <a:rPr lang="en-US" dirty="0" smtClean="0"/>
-              <a:t>TODO</a:t>
+              <a:t>Automated initial project configuration</a:t>
+            </a:r>
+          </a:p>
+          <a:p>
+            <a:pPr lvl="1"/>
+            <a:r>
+              <a:rPr lang="en-US" dirty="0" smtClean="0"/>
+              <a:t>Additional HTML template </a:t>
+            </a:r>
+            <a:r>
+              <a:rPr lang="en-US" dirty="0" smtClean="0"/>
+              <a:t>helpers</a:t>
+            </a:r>
+          </a:p>
+          <a:p>
+            <a:pPr lvl="1"/>
+            <a:r>
+              <a:rPr lang="en-US" dirty="0" smtClean="0"/>
+              <a:t>Static file request support</a:t>
             </a:r>
             <a:endParaRPr lang="en-US" dirty="0"/>
           </a:p>
@@ -5054,53 +5086,25 @@
           <a:p>
             <a:r>
               <a:rPr lang="en-US" dirty="0" smtClean="0"/>
-              <a:t>Requirements					</a:t>
-            </a:r>
-            <a:r>
-              <a:rPr lang="en-US" dirty="0" smtClean="0"/>
-              <a:t>  1 </a:t>
-            </a:r>
-            <a:r>
-              <a:rPr lang="en-US" dirty="0" smtClean="0"/>
-              <a:t>min</a:t>
-            </a:r>
-          </a:p>
-          <a:p>
-            <a:r>
-              <a:rPr lang="en-US" dirty="0" smtClean="0"/>
-              <a:t>System architecture &amp; design		</a:t>
-            </a:r>
-            <a:r>
-              <a:rPr lang="en-US" dirty="0" smtClean="0"/>
-              <a:t>	  3 </a:t>
-            </a:r>
-            <a:r>
-              <a:rPr lang="en-US" dirty="0" smtClean="0"/>
-              <a:t>min</a:t>
-            </a:r>
-          </a:p>
-          <a:p>
-            <a:r>
-              <a:rPr lang="en-US" dirty="0" smtClean="0"/>
-              <a:t>Demo						</a:t>
-            </a:r>
-            <a:r>
-              <a:rPr lang="en-US" dirty="0" smtClean="0"/>
-              <a:t>12 </a:t>
-            </a:r>
-            <a:r>
-              <a:rPr lang="en-US" dirty="0" smtClean="0"/>
-              <a:t>min</a:t>
-            </a:r>
-          </a:p>
-          <a:p>
-            <a:r>
-              <a:rPr lang="en-US" dirty="0" smtClean="0"/>
-              <a:t>Code Walkthrough					10 </a:t>
-            </a:r>
-            <a:r>
-              <a:rPr lang="en-US" dirty="0" smtClean="0"/>
-              <a:t>min</a:t>
+              <a:t>Requirements					  1 min</a:t>
+            </a:r>
+          </a:p>
+          <a:p>
+            <a:r>
+              <a:rPr lang="en-US" dirty="0" smtClean="0"/>
+              <a:t>System architecture &amp; design			  3 min</a:t>
+            </a:r>
+          </a:p>
+          <a:p>
+            <a:r>
+              <a:rPr lang="en-US" dirty="0" smtClean="0"/>
+              <a:t>Demo						12 min</a:t>
+            </a:r>
+          </a:p>
+          <a:p>
+            <a:r>
+              <a:rPr lang="en-US" dirty="0" smtClean="0"/>
+              <a:t>Code Walkthrough					10 min</a:t>
             </a:r>
           </a:p>
           <a:p>
@@ -5116,34 +5120,17 @@
               <a:rPr lang="en-US" dirty="0" smtClean="0"/>
               <a:t>  3 min</a:t>
             </a:r>
-            <a:endParaRPr lang="en-US" dirty="0" smtClean="0"/>
-          </a:p>
-          <a:p>
-            <a:r>
-              <a:rPr lang="en-US" dirty="0" smtClean="0"/>
-              <a:t>Summary						</a:t>
-            </a:r>
-            <a:r>
-              <a:rPr lang="en-US" dirty="0" smtClean="0"/>
-              <a:t>  3 </a:t>
-            </a:r>
-            <a:r>
-              <a:rPr lang="en-US" dirty="0" smtClean="0"/>
-              <a:t>min</a:t>
-            </a:r>
-          </a:p>
-          <a:p>
-            <a:r>
-              <a:rPr lang="en-US" dirty="0" smtClean="0"/>
-              <a:t>Q&amp;A							</a:t>
-            </a:r>
-            <a:r>
-              <a:rPr lang="en-US" dirty="0" smtClean="0"/>
-              <a:t>  3 </a:t>
-            </a:r>
-            <a:r>
-              <a:rPr lang="en-US" dirty="0" smtClean="0"/>
-              <a:t>min</a:t>
+          </a:p>
+          <a:p>
+            <a:r>
+              <a:rPr lang="en-US" dirty="0" smtClean="0"/>
+              <a:t>Summary						  3 min</a:t>
+            </a:r>
+          </a:p>
+          <a:p>
+            <a:r>
+              <a:rPr lang="en-US" dirty="0" smtClean="0"/>
+              <a:t>Q&amp;A							  3 min</a:t>
             </a:r>
           </a:p>
         </p:txBody>
@@ -5227,13 +5214,8 @@
           <a:p>
             <a:r>
               <a:rPr lang="en-US" dirty="0" smtClean="0"/>
-              <a:t>Develop web </a:t>
-            </a:r>
-            <a:r>
-              <a:rPr lang="en-US" dirty="0" smtClean="0"/>
-              <a:t>framework with the minimum features:</a:t>
-            </a:r>
-            <a:endParaRPr lang="en-US" dirty="0" smtClean="0"/>
+              <a:t>Develop web framework with the minimum features:</a:t>
+            </a:r>
           </a:p>
           <a:p>
             <a:pPr lvl="1"/>
@@ -5362,15 +5344,7 @@
             </a:pPr>
             <a:r>
               <a:rPr lang="en-US" dirty="0" smtClean="0"/>
-              <a:t>Software d</a:t>
-            </a:r>
-            <a:r>
-              <a:rPr lang="en-US" dirty="0" smtClean="0"/>
-              <a:t>eveloper </a:t>
-            </a:r>
-            <a:r>
-              <a:rPr lang="en-US" dirty="0" smtClean="0"/>
-              <a:t>uses the web framework to develop web applications.</a:t>
+              <a:t>Software developer uses the web framework to develop web applications.</a:t>
             </a:r>
             <a:endParaRPr lang="en-US" dirty="0"/>
           </a:p>
@@ -6182,11 +6156,7 @@
           <a:p>
             <a:r>
               <a:rPr lang="en-US" dirty="0" smtClean="0"/>
-              <a:t>User Creates Web </a:t>
-            </a:r>
-            <a:r>
-              <a:rPr lang="en-US" dirty="0" smtClean="0"/>
-              <a:t>Application</a:t>
+              <a:t>User Creates Web Application</a:t>
             </a:r>
             <a:endParaRPr lang="en-US" dirty="0"/>
           </a:p>
